--- a/documentation/presentation/Analyse/Analyse.pptx
+++ b/documentation/presentation/Analyse/Analyse.pptx
@@ -8,12 +8,14 @@
     <p:sldId id="256" r:id="rId2"/>
     <p:sldId id="257" r:id="rId3"/>
     <p:sldId id="260" r:id="rId4"/>
-    <p:sldId id="261" r:id="rId5"/>
+    <p:sldId id="265" r:id="rId5"/>
     <p:sldId id="263" r:id="rId6"/>
-    <p:sldId id="262" r:id="rId7"/>
-    <p:sldId id="264" r:id="rId8"/>
-    <p:sldId id="259" r:id="rId9"/>
-    <p:sldId id="258" r:id="rId10"/>
+    <p:sldId id="261" r:id="rId7"/>
+    <p:sldId id="262" r:id="rId8"/>
+    <p:sldId id="264" r:id="rId9"/>
+    <p:sldId id="266" r:id="rId10"/>
+    <p:sldId id="259" r:id="rId11"/>
+    <p:sldId id="258" r:id="rId12"/>
   </p:sldIdLst>
   <p:sldSz cx="9144000" cy="6858000" type="screen4x3"/>
   <p:notesSz cx="6858000" cy="9144000"/>
@@ -256,7 +258,7 @@
           <a:p>
             <a:fld id="{6A5DC9BA-3FDA-4498-91BC-F5637C6762DB}" type="datetimeFigureOut">
               <a:rPr lang="de-CH" smtClean="0"/>
-              <a:t>21.10.2012</a:t>
+              <a:t>22.10.2012</a:t>
             </a:fld>
             <a:endParaRPr lang="de-CH"/>
           </a:p>
@@ -1156,7 +1158,7 @@
           <a:p>
             <a:fld id="{6A5DC9BA-3FDA-4498-91BC-F5637C6762DB}" type="datetimeFigureOut">
               <a:rPr lang="de-CH" smtClean="0"/>
-              <a:t>21.10.2012</a:t>
+              <a:t>22.10.2012</a:t>
             </a:fld>
             <a:endParaRPr lang="de-CH"/>
           </a:p>
@@ -1362,7 +1364,7 @@
           <a:p>
             <a:fld id="{6A5DC9BA-3FDA-4498-91BC-F5637C6762DB}" type="datetimeFigureOut">
               <a:rPr lang="de-CH" smtClean="0"/>
-              <a:t>21.10.2012</a:t>
+              <a:t>22.10.2012</a:t>
             </a:fld>
             <a:endParaRPr lang="de-CH"/>
           </a:p>
@@ -1563,7 +1565,7 @@
           <a:p>
             <a:fld id="{6A5DC9BA-3FDA-4498-91BC-F5637C6762DB}" type="datetimeFigureOut">
               <a:rPr lang="de-CH" smtClean="0"/>
-              <a:t>21.10.2012</a:t>
+              <a:t>22.10.2012</a:t>
             </a:fld>
             <a:endParaRPr lang="de-CH"/>
           </a:p>
@@ -1777,7 +1779,7 @@
           <a:p>
             <a:fld id="{6A5DC9BA-3FDA-4498-91BC-F5637C6762DB}" type="datetimeFigureOut">
               <a:rPr lang="de-CH" smtClean="0"/>
-              <a:t>21.10.2012</a:t>
+              <a:t>22.10.2012</a:t>
             </a:fld>
             <a:endParaRPr lang="de-CH"/>
           </a:p>
@@ -2591,7 +2593,7 @@
           <a:p>
             <a:fld id="{6A5DC9BA-3FDA-4498-91BC-F5637C6762DB}" type="datetimeFigureOut">
               <a:rPr lang="de-CH" smtClean="0"/>
-              <a:t>21.10.2012</a:t>
+              <a:t>22.10.2012</a:t>
             </a:fld>
             <a:endParaRPr lang="de-CH"/>
           </a:p>
@@ -2893,7 +2895,7 @@
           <a:p>
             <a:fld id="{6A5DC9BA-3FDA-4498-91BC-F5637C6762DB}" type="datetimeFigureOut">
               <a:rPr lang="de-CH" smtClean="0"/>
-              <a:t>21.10.2012</a:t>
+              <a:t>22.10.2012</a:t>
             </a:fld>
             <a:endParaRPr lang="de-CH"/>
           </a:p>
@@ -3268,7 +3270,7 @@
           <a:p>
             <a:fld id="{6A5DC9BA-3FDA-4498-91BC-F5637C6762DB}" type="datetimeFigureOut">
               <a:rPr lang="de-CH" smtClean="0"/>
-              <a:t>21.10.2012</a:t>
+              <a:t>22.10.2012</a:t>
             </a:fld>
             <a:endParaRPr lang="de-CH"/>
           </a:p>
@@ -3358,7 +3360,7 @@
           <a:p>
             <a:fld id="{6A5DC9BA-3FDA-4498-91BC-F5637C6762DB}" type="datetimeFigureOut">
               <a:rPr lang="de-CH" smtClean="0"/>
-              <a:t>21.10.2012</a:t>
+              <a:t>22.10.2012</a:t>
             </a:fld>
             <a:endParaRPr lang="de-CH"/>
           </a:p>
@@ -3906,7 +3908,7 @@
           <a:p>
             <a:fld id="{6A5DC9BA-3FDA-4498-91BC-F5637C6762DB}" type="datetimeFigureOut">
               <a:rPr lang="de-CH" smtClean="0"/>
-              <a:t>21.10.2012</a:t>
+              <a:t>22.10.2012</a:t>
             </a:fld>
             <a:endParaRPr lang="de-CH"/>
           </a:p>
@@ -4420,7 +4422,7 @@
           <a:p>
             <a:fld id="{6A5DC9BA-3FDA-4498-91BC-F5637C6762DB}" type="datetimeFigureOut">
               <a:rPr lang="de-CH" smtClean="0"/>
-              <a:t>21.10.2012</a:t>
+              <a:t>22.10.2012</a:t>
             </a:fld>
             <a:endParaRPr lang="de-CH"/>
           </a:p>
@@ -4665,7 +4667,7 @@
           <a:p>
             <a:fld id="{6A5DC9BA-3FDA-4498-91BC-F5637C6762DB}" type="datetimeFigureOut">
               <a:rPr lang="de-CH" smtClean="0"/>
-              <a:t>21.10.2012</a:t>
+              <a:t>22.10.2012</a:t>
             </a:fld>
             <a:endParaRPr lang="de-CH"/>
           </a:p>
@@ -5328,528 +5330,7 @@
 </p:sld>
 </file>
 
-<file path=ppt/slides/slide2.xml><?xml version="1.0" encoding="utf-8"?>
-<p:sld xmlns:a="http://schemas.openxmlformats.org/drawingml/2006/main" xmlns:r="http://schemas.openxmlformats.org/officeDocument/2006/relationships" xmlns:p="http://schemas.openxmlformats.org/presentationml/2006/main">
-  <p:cSld>
-    <p:spTree>
-      <p:nvGrpSpPr>
-        <p:cNvPr id="1" name=""/>
-        <p:cNvGrpSpPr/>
-        <p:nvPr/>
-      </p:nvGrpSpPr>
-      <p:grpSpPr>
-        <a:xfrm>
-          <a:off x="0" y="0"/>
-          <a:ext cx="0" cy="0"/>
-          <a:chOff x="0" y="0"/>
-          <a:chExt cx="0" cy="0"/>
-        </a:xfrm>
-      </p:grpSpPr>
-      <p:sp>
-        <p:nvSpPr>
-          <p:cNvPr id="2" name="Titel 1"/>
-          <p:cNvSpPr>
-            <a:spLocks noGrp="1"/>
-          </p:cNvSpPr>
-          <p:nvPr>
-            <p:ph type="title"/>
-          </p:nvPr>
-        </p:nvSpPr>
-        <p:spPr/>
-        <p:txBody>
-          <a:bodyPr/>
-          <a:lstStyle/>
-          <a:p>
-            <a:r>
-              <a:rPr lang="de-CH" dirty="0" smtClean="0"/>
-              <a:t>Agenda</a:t>
-            </a:r>
-            <a:endParaRPr lang="de-CH" dirty="0"/>
-          </a:p>
-        </p:txBody>
-      </p:sp>
-      <p:sp>
-        <p:nvSpPr>
-          <p:cNvPr id="3" name="Inhaltsplatzhalter 2"/>
-          <p:cNvSpPr>
-            <a:spLocks noGrp="1"/>
-          </p:cNvSpPr>
-          <p:nvPr>
-            <p:ph sz="quarter" idx="1"/>
-          </p:nvPr>
-        </p:nvSpPr>
-        <p:spPr/>
-        <p:txBody>
-          <a:bodyPr>
-            <a:normAutofit/>
-          </a:bodyPr>
-          <a:lstStyle/>
-          <a:p>
-            <a:r>
-              <a:rPr lang="de-CH" dirty="0"/>
-              <a:t>Stand Projekt </a:t>
-            </a:r>
-          </a:p>
-          <a:p>
-            <a:r>
-              <a:rPr lang="de-CH" dirty="0"/>
-              <a:t>Konkretere </a:t>
-            </a:r>
-            <a:r>
-              <a:rPr lang="de-CH" dirty="0" smtClean="0"/>
-              <a:t>Idee</a:t>
-            </a:r>
-          </a:p>
-          <a:p>
-            <a:r>
-              <a:rPr lang="de-CH" dirty="0"/>
-              <a:t>Domänen-Modell</a:t>
-            </a:r>
-          </a:p>
-          <a:p>
-            <a:r>
-              <a:rPr lang="de-CH" dirty="0" smtClean="0"/>
-              <a:t>Spezielle </a:t>
-            </a:r>
-            <a:r>
-              <a:rPr lang="de-CH" dirty="0" err="1"/>
-              <a:t>Use</a:t>
-            </a:r>
-            <a:r>
-              <a:rPr lang="de-CH" dirty="0"/>
-              <a:t> Cases</a:t>
-            </a:r>
-          </a:p>
-          <a:p>
-            <a:r>
-              <a:rPr lang="de-CH" dirty="0" smtClean="0"/>
-              <a:t>Technisches</a:t>
-            </a:r>
-            <a:endParaRPr lang="de-CH" dirty="0"/>
-          </a:p>
-          <a:p>
-            <a:r>
-              <a:rPr lang="de-CH" dirty="0"/>
-              <a:t>Prototyp</a:t>
-            </a:r>
-          </a:p>
-          <a:p>
-            <a:r>
-              <a:rPr lang="de-CH" dirty="0"/>
-              <a:t>Fragen</a:t>
-            </a:r>
-          </a:p>
-        </p:txBody>
-      </p:sp>
-    </p:spTree>
-    <p:extLst>
-      <p:ext uri="{BB962C8B-B14F-4D97-AF65-F5344CB8AC3E}">
-        <p14:creationId xmlns:p14="http://schemas.microsoft.com/office/powerpoint/2010/main" val="3438924387"/>
-      </p:ext>
-    </p:extLst>
-  </p:cSld>
-  <p:clrMapOvr>
-    <a:masterClrMapping/>
-  </p:clrMapOvr>
-</p:sld>
-</file>
-
-<file path=ppt/slides/slide3.xml><?xml version="1.0" encoding="utf-8"?>
-<p:sld xmlns:a="http://schemas.openxmlformats.org/drawingml/2006/main" xmlns:r="http://schemas.openxmlformats.org/officeDocument/2006/relationships" xmlns:p="http://schemas.openxmlformats.org/presentationml/2006/main">
-  <p:cSld>
-    <p:spTree>
-      <p:nvGrpSpPr>
-        <p:cNvPr id="1" name=""/>
-        <p:cNvGrpSpPr/>
-        <p:nvPr/>
-      </p:nvGrpSpPr>
-      <p:grpSpPr>
-        <a:xfrm>
-          <a:off x="0" y="0"/>
-          <a:ext cx="0" cy="0"/>
-          <a:chOff x="0" y="0"/>
-          <a:chExt cx="0" cy="0"/>
-        </a:xfrm>
-      </p:grpSpPr>
-      <p:sp>
-        <p:nvSpPr>
-          <p:cNvPr id="2" name="Titel 1"/>
-          <p:cNvSpPr>
-            <a:spLocks noGrp="1"/>
-          </p:cNvSpPr>
-          <p:nvPr>
-            <p:ph type="title"/>
-          </p:nvPr>
-        </p:nvSpPr>
-        <p:spPr/>
-        <p:txBody>
-          <a:bodyPr/>
-          <a:lstStyle/>
-          <a:p>
-            <a:r>
-              <a:rPr lang="de-CH" dirty="0" err="1" smtClean="0"/>
-              <a:t>Momentander</a:t>
-            </a:r>
-            <a:r>
-              <a:rPr lang="de-CH" dirty="0" smtClean="0"/>
-              <a:t> Stand</a:t>
-            </a:r>
-            <a:endParaRPr lang="de-CH" dirty="0"/>
-          </a:p>
-        </p:txBody>
-      </p:sp>
-      <p:sp>
-        <p:nvSpPr>
-          <p:cNvPr id="3" name="Inhaltsplatzhalter 2"/>
-          <p:cNvSpPr>
-            <a:spLocks noGrp="1"/>
-          </p:cNvSpPr>
-          <p:nvPr>
-            <p:ph sz="quarter" idx="1"/>
-          </p:nvPr>
-        </p:nvSpPr>
-        <p:spPr/>
-        <p:txBody>
-          <a:bodyPr/>
-          <a:lstStyle/>
-          <a:p>
-            <a:r>
-              <a:rPr lang="de-CH" dirty="0" err="1" smtClean="0"/>
-              <a:t>Todo</a:t>
-            </a:r>
-            <a:endParaRPr lang="de-CH" dirty="0" smtClean="0"/>
-          </a:p>
-          <a:p>
-            <a:endParaRPr lang="de-CH" dirty="0"/>
-          </a:p>
-        </p:txBody>
-      </p:sp>
-    </p:spTree>
-    <p:extLst>
-      <p:ext uri="{BB962C8B-B14F-4D97-AF65-F5344CB8AC3E}">
-        <p14:creationId xmlns:p14="http://schemas.microsoft.com/office/powerpoint/2010/main" val="2237911985"/>
-      </p:ext>
-    </p:extLst>
-  </p:cSld>
-  <p:clrMapOvr>
-    <a:masterClrMapping/>
-  </p:clrMapOvr>
-</p:sld>
-</file>
-
-<file path=ppt/slides/slide4.xml><?xml version="1.0" encoding="utf-8"?>
-<p:sld xmlns:a="http://schemas.openxmlformats.org/drawingml/2006/main" xmlns:r="http://schemas.openxmlformats.org/officeDocument/2006/relationships" xmlns:p="http://schemas.openxmlformats.org/presentationml/2006/main">
-  <p:cSld>
-    <p:spTree>
-      <p:nvGrpSpPr>
-        <p:cNvPr id="1" name=""/>
-        <p:cNvGrpSpPr/>
-        <p:nvPr/>
-      </p:nvGrpSpPr>
-      <p:grpSpPr>
-        <a:xfrm>
-          <a:off x="0" y="0"/>
-          <a:ext cx="0" cy="0"/>
-          <a:chOff x="0" y="0"/>
-          <a:chExt cx="0" cy="0"/>
-        </a:xfrm>
-      </p:grpSpPr>
-      <p:sp>
-        <p:nvSpPr>
-          <p:cNvPr id="2" name="Titel 1"/>
-          <p:cNvSpPr>
-            <a:spLocks noGrp="1"/>
-          </p:cNvSpPr>
-          <p:nvPr>
-            <p:ph type="title"/>
-          </p:nvPr>
-        </p:nvSpPr>
-        <p:spPr/>
-        <p:txBody>
-          <a:bodyPr/>
-          <a:lstStyle/>
-          <a:p>
-            <a:r>
-              <a:rPr lang="de-CH" dirty="0" smtClean="0"/>
-              <a:t>Konkretere Ideen</a:t>
-            </a:r>
-            <a:endParaRPr lang="de-CH" dirty="0"/>
-          </a:p>
-        </p:txBody>
-      </p:sp>
-      <p:sp>
-        <p:nvSpPr>
-          <p:cNvPr id="3" name="Inhaltsplatzhalter 2"/>
-          <p:cNvSpPr>
-            <a:spLocks noGrp="1"/>
-          </p:cNvSpPr>
-          <p:nvPr>
-            <p:ph sz="quarter" idx="1"/>
-          </p:nvPr>
-        </p:nvSpPr>
-        <p:spPr/>
-        <p:txBody>
-          <a:bodyPr/>
-          <a:lstStyle/>
-          <a:p>
-            <a:r>
-              <a:rPr lang="de-CH" dirty="0" err="1" smtClean="0"/>
-              <a:t>Todo</a:t>
-            </a:r>
-            <a:endParaRPr lang="de-CH" dirty="0"/>
-          </a:p>
-        </p:txBody>
-      </p:sp>
-    </p:spTree>
-    <p:extLst>
-      <p:ext uri="{BB962C8B-B14F-4D97-AF65-F5344CB8AC3E}">
-        <p14:creationId xmlns:p14="http://schemas.microsoft.com/office/powerpoint/2010/main" val="1253552773"/>
-      </p:ext>
-    </p:extLst>
-  </p:cSld>
-  <p:clrMapOvr>
-    <a:masterClrMapping/>
-  </p:clrMapOvr>
-</p:sld>
-</file>
-
-<file path=ppt/slides/slide5.xml><?xml version="1.0" encoding="utf-8"?>
-<p:sld xmlns:a="http://schemas.openxmlformats.org/drawingml/2006/main" xmlns:r="http://schemas.openxmlformats.org/officeDocument/2006/relationships" xmlns:p="http://schemas.openxmlformats.org/presentationml/2006/main">
-  <p:cSld>
-    <p:spTree>
-      <p:nvGrpSpPr>
-        <p:cNvPr id="1" name=""/>
-        <p:cNvGrpSpPr/>
-        <p:nvPr/>
-      </p:nvGrpSpPr>
-      <p:grpSpPr>
-        <a:xfrm>
-          <a:off x="0" y="0"/>
-          <a:ext cx="0" cy="0"/>
-          <a:chOff x="0" y="0"/>
-          <a:chExt cx="0" cy="0"/>
-        </a:xfrm>
-      </p:grpSpPr>
-      <p:sp>
-        <p:nvSpPr>
-          <p:cNvPr id="2" name="Titel 1"/>
-          <p:cNvSpPr>
-            <a:spLocks noGrp="1"/>
-          </p:cNvSpPr>
-          <p:nvPr>
-            <p:ph type="title"/>
-          </p:nvPr>
-        </p:nvSpPr>
-        <p:spPr/>
-        <p:txBody>
-          <a:bodyPr/>
-          <a:lstStyle/>
-          <a:p>
-            <a:r>
-              <a:rPr lang="de-CH" dirty="0" smtClean="0"/>
-              <a:t>Domänenmodell</a:t>
-            </a:r>
-            <a:endParaRPr lang="de-CH" dirty="0"/>
-          </a:p>
-        </p:txBody>
-      </p:sp>
-      <p:sp>
-        <p:nvSpPr>
-          <p:cNvPr id="3" name="Inhaltsplatzhalter 2"/>
-          <p:cNvSpPr>
-            <a:spLocks noGrp="1"/>
-          </p:cNvSpPr>
-          <p:nvPr>
-            <p:ph sz="quarter" idx="1"/>
-          </p:nvPr>
-        </p:nvSpPr>
-        <p:spPr/>
-        <p:txBody>
-          <a:bodyPr/>
-          <a:lstStyle/>
-          <a:p>
-            <a:r>
-              <a:rPr lang="de-CH" dirty="0" err="1" smtClean="0"/>
-              <a:t>Todo</a:t>
-            </a:r>
-            <a:endParaRPr lang="de-CH" dirty="0"/>
-          </a:p>
-        </p:txBody>
-      </p:sp>
-    </p:spTree>
-    <p:extLst>
-      <p:ext uri="{BB962C8B-B14F-4D97-AF65-F5344CB8AC3E}">
-        <p14:creationId xmlns:p14="http://schemas.microsoft.com/office/powerpoint/2010/main" val="2876740877"/>
-      </p:ext>
-    </p:extLst>
-  </p:cSld>
-  <p:clrMapOvr>
-    <a:masterClrMapping/>
-  </p:clrMapOvr>
-</p:sld>
-</file>
-
-<file path=ppt/slides/slide6.xml><?xml version="1.0" encoding="utf-8"?>
-<p:sld xmlns:a="http://schemas.openxmlformats.org/drawingml/2006/main" xmlns:r="http://schemas.openxmlformats.org/officeDocument/2006/relationships" xmlns:p="http://schemas.openxmlformats.org/presentationml/2006/main">
-  <p:cSld>
-    <p:spTree>
-      <p:nvGrpSpPr>
-        <p:cNvPr id="1" name=""/>
-        <p:cNvGrpSpPr/>
-        <p:nvPr/>
-      </p:nvGrpSpPr>
-      <p:grpSpPr>
-        <a:xfrm>
-          <a:off x="0" y="0"/>
-          <a:ext cx="0" cy="0"/>
-          <a:chOff x="0" y="0"/>
-          <a:chExt cx="0" cy="0"/>
-        </a:xfrm>
-      </p:grpSpPr>
-      <p:sp>
-        <p:nvSpPr>
-          <p:cNvPr id="2" name="Titel 1"/>
-          <p:cNvSpPr>
-            <a:spLocks noGrp="1"/>
-          </p:cNvSpPr>
-          <p:nvPr>
-            <p:ph type="title"/>
-          </p:nvPr>
-        </p:nvSpPr>
-        <p:spPr/>
-        <p:txBody>
-          <a:bodyPr/>
-          <a:lstStyle/>
-          <a:p>
-            <a:r>
-              <a:rPr lang="de-CH" dirty="0" smtClean="0"/>
-              <a:t>Spezielle </a:t>
-            </a:r>
-            <a:r>
-              <a:rPr lang="de-CH" dirty="0" err="1" smtClean="0"/>
-              <a:t>Use</a:t>
-            </a:r>
-            <a:r>
-              <a:rPr lang="de-CH" dirty="0" smtClean="0"/>
-              <a:t> Cases</a:t>
-            </a:r>
-            <a:endParaRPr lang="de-CH" dirty="0"/>
-          </a:p>
-        </p:txBody>
-      </p:sp>
-      <p:sp>
-        <p:nvSpPr>
-          <p:cNvPr id="3" name="Inhaltsplatzhalter 2"/>
-          <p:cNvSpPr>
-            <a:spLocks noGrp="1"/>
-          </p:cNvSpPr>
-          <p:nvPr>
-            <p:ph sz="quarter" idx="1"/>
-          </p:nvPr>
-        </p:nvSpPr>
-        <p:spPr/>
-        <p:txBody>
-          <a:bodyPr/>
-          <a:lstStyle/>
-          <a:p>
-            <a:r>
-              <a:rPr lang="de-CH" dirty="0" err="1" smtClean="0"/>
-              <a:t>Todo</a:t>
-            </a:r>
-            <a:endParaRPr lang="de-CH" dirty="0"/>
-          </a:p>
-        </p:txBody>
-      </p:sp>
-    </p:spTree>
-    <p:extLst>
-      <p:ext uri="{BB962C8B-B14F-4D97-AF65-F5344CB8AC3E}">
-        <p14:creationId xmlns:p14="http://schemas.microsoft.com/office/powerpoint/2010/main" val="3664799231"/>
-      </p:ext>
-    </p:extLst>
-  </p:cSld>
-  <p:clrMapOvr>
-    <a:masterClrMapping/>
-  </p:clrMapOvr>
-</p:sld>
-</file>
-
-<file path=ppt/slides/slide7.xml><?xml version="1.0" encoding="utf-8"?>
-<p:sld xmlns:a="http://schemas.openxmlformats.org/drawingml/2006/main" xmlns:r="http://schemas.openxmlformats.org/officeDocument/2006/relationships" xmlns:p="http://schemas.openxmlformats.org/presentationml/2006/main">
-  <p:cSld>
-    <p:spTree>
-      <p:nvGrpSpPr>
-        <p:cNvPr id="1" name=""/>
-        <p:cNvGrpSpPr/>
-        <p:nvPr/>
-      </p:nvGrpSpPr>
-      <p:grpSpPr>
-        <a:xfrm>
-          <a:off x="0" y="0"/>
-          <a:ext cx="0" cy="0"/>
-          <a:chOff x="0" y="0"/>
-          <a:chExt cx="0" cy="0"/>
-        </a:xfrm>
-      </p:grpSpPr>
-      <p:sp>
-        <p:nvSpPr>
-          <p:cNvPr id="2" name="Titel 1"/>
-          <p:cNvSpPr>
-            <a:spLocks noGrp="1"/>
-          </p:cNvSpPr>
-          <p:nvPr>
-            <p:ph type="title"/>
-          </p:nvPr>
-        </p:nvSpPr>
-        <p:spPr/>
-        <p:txBody>
-          <a:bodyPr/>
-          <a:lstStyle/>
-          <a:p>
-            <a:r>
-              <a:rPr lang="de-CH" dirty="0" smtClean="0"/>
-              <a:t>Technisches</a:t>
-            </a:r>
-            <a:endParaRPr lang="de-CH" dirty="0"/>
-          </a:p>
-        </p:txBody>
-      </p:sp>
-      <p:sp>
-        <p:nvSpPr>
-          <p:cNvPr id="3" name="Inhaltsplatzhalter 2"/>
-          <p:cNvSpPr>
-            <a:spLocks noGrp="1"/>
-          </p:cNvSpPr>
-          <p:nvPr>
-            <p:ph sz="quarter" idx="1"/>
-          </p:nvPr>
-        </p:nvSpPr>
-        <p:spPr/>
-        <p:txBody>
-          <a:bodyPr/>
-          <a:lstStyle/>
-          <a:p>
-            <a:r>
-              <a:rPr lang="de-CH" dirty="0" err="1" smtClean="0"/>
-              <a:t>Todo</a:t>
-            </a:r>
-            <a:endParaRPr lang="de-CH" dirty="0"/>
-          </a:p>
-        </p:txBody>
-      </p:sp>
-    </p:spTree>
-    <p:extLst>
-      <p:ext uri="{BB962C8B-B14F-4D97-AF65-F5344CB8AC3E}">
-        <p14:creationId xmlns:p14="http://schemas.microsoft.com/office/powerpoint/2010/main" val="3480487774"/>
-      </p:ext>
-    </p:extLst>
-  </p:cSld>
-  <p:clrMapOvr>
-    <a:masterClrMapping/>
-  </p:clrMapOvr>
-</p:sld>
-</file>
-
-<file path=ppt/slides/slide8.xml><?xml version="1.0" encoding="utf-8"?>
+<file path=ppt/slides/slide10.xml><?xml version="1.0" encoding="utf-8"?>
 <p:sld xmlns:a="http://schemas.openxmlformats.org/drawingml/2006/main" xmlns:r="http://schemas.openxmlformats.org/officeDocument/2006/relationships" xmlns:p="http://schemas.openxmlformats.org/presentationml/2006/main">
   <p:cSld>
     <p:spTree>
@@ -5966,6 +5447,848 @@
 </p:sld>
 </file>
 
+<file path=ppt/slides/slide11.xml><?xml version="1.0" encoding="utf-8"?>
+<p:sld xmlns:a="http://schemas.openxmlformats.org/drawingml/2006/main" xmlns:r="http://schemas.openxmlformats.org/officeDocument/2006/relationships" xmlns:p="http://schemas.openxmlformats.org/presentationml/2006/main">
+  <p:cSld>
+    <p:spTree>
+      <p:nvGrpSpPr>
+        <p:cNvPr id="1" name=""/>
+        <p:cNvGrpSpPr/>
+        <p:nvPr/>
+      </p:nvGrpSpPr>
+      <p:grpSpPr>
+        <a:xfrm>
+          <a:off x="0" y="0"/>
+          <a:ext cx="0" cy="0"/>
+          <a:chOff x="0" y="0"/>
+          <a:chExt cx="0" cy="0"/>
+        </a:xfrm>
+      </p:grpSpPr>
+      <p:sp>
+        <p:nvSpPr>
+          <p:cNvPr id="11" name="Titel 10"/>
+          <p:cNvSpPr>
+            <a:spLocks noGrp="1"/>
+          </p:cNvSpPr>
+          <p:nvPr>
+            <p:ph type="ctrTitle"/>
+          </p:nvPr>
+        </p:nvSpPr>
+        <p:spPr/>
+        <p:txBody>
+          <a:bodyPr/>
+          <a:lstStyle/>
+          <a:p>
+            <a:r>
+              <a:rPr lang="de-CH" dirty="0" smtClean="0"/>
+              <a:t>Vielen Dank</a:t>
+            </a:r>
+            <a:endParaRPr lang="de-CH" dirty="0"/>
+          </a:p>
+        </p:txBody>
+      </p:sp>
+      <p:sp>
+        <p:nvSpPr>
+          <p:cNvPr id="12" name="Untertitel 11"/>
+          <p:cNvSpPr>
+            <a:spLocks noGrp="1"/>
+          </p:cNvSpPr>
+          <p:nvPr>
+            <p:ph type="subTitle" idx="1"/>
+          </p:nvPr>
+        </p:nvSpPr>
+        <p:spPr/>
+        <p:txBody>
+          <a:bodyPr/>
+          <a:lstStyle/>
+          <a:p>
+            <a:r>
+              <a:rPr lang="de-CH" dirty="0" smtClean="0"/>
+              <a:t>Für die Aufmerksamkeit</a:t>
+            </a:r>
+            <a:endParaRPr lang="de-CH" dirty="0"/>
+          </a:p>
+        </p:txBody>
+      </p:sp>
+    </p:spTree>
+    <p:extLst>
+      <p:ext uri="{BB962C8B-B14F-4D97-AF65-F5344CB8AC3E}">
+        <p14:creationId xmlns:p14="http://schemas.microsoft.com/office/powerpoint/2010/main" val="682285084"/>
+      </p:ext>
+    </p:extLst>
+  </p:cSld>
+  <p:clrMapOvr>
+    <a:masterClrMapping/>
+  </p:clrMapOvr>
+</p:sld>
+</file>
+
+<file path=ppt/slides/slide2.xml><?xml version="1.0" encoding="utf-8"?>
+<p:sld xmlns:a="http://schemas.openxmlformats.org/drawingml/2006/main" xmlns:r="http://schemas.openxmlformats.org/officeDocument/2006/relationships" xmlns:p="http://schemas.openxmlformats.org/presentationml/2006/main">
+  <p:cSld>
+    <p:spTree>
+      <p:nvGrpSpPr>
+        <p:cNvPr id="1" name=""/>
+        <p:cNvGrpSpPr/>
+        <p:nvPr/>
+      </p:nvGrpSpPr>
+      <p:grpSpPr>
+        <a:xfrm>
+          <a:off x="0" y="0"/>
+          <a:ext cx="0" cy="0"/>
+          <a:chOff x="0" y="0"/>
+          <a:chExt cx="0" cy="0"/>
+        </a:xfrm>
+      </p:grpSpPr>
+      <p:sp>
+        <p:nvSpPr>
+          <p:cNvPr id="2" name="Titel 1"/>
+          <p:cNvSpPr>
+            <a:spLocks noGrp="1"/>
+          </p:cNvSpPr>
+          <p:nvPr>
+            <p:ph type="title"/>
+          </p:nvPr>
+        </p:nvSpPr>
+        <p:spPr/>
+        <p:txBody>
+          <a:bodyPr/>
+          <a:lstStyle/>
+          <a:p>
+            <a:r>
+              <a:rPr lang="de-CH" dirty="0" smtClean="0"/>
+              <a:t>Agenda</a:t>
+            </a:r>
+            <a:endParaRPr lang="de-CH" dirty="0"/>
+          </a:p>
+        </p:txBody>
+      </p:sp>
+      <p:sp>
+        <p:nvSpPr>
+          <p:cNvPr id="3" name="Inhaltsplatzhalter 2"/>
+          <p:cNvSpPr>
+            <a:spLocks noGrp="1"/>
+          </p:cNvSpPr>
+          <p:nvPr>
+            <p:ph sz="quarter" idx="1"/>
+          </p:nvPr>
+        </p:nvSpPr>
+        <p:spPr/>
+        <p:txBody>
+          <a:bodyPr>
+            <a:normAutofit/>
+          </a:bodyPr>
+          <a:lstStyle/>
+          <a:p>
+            <a:r>
+              <a:rPr lang="de-CH" dirty="0"/>
+              <a:t>Stand </a:t>
+            </a:r>
+            <a:r>
+              <a:rPr lang="de-CH" dirty="0" smtClean="0"/>
+              <a:t>Projekt</a:t>
+            </a:r>
+          </a:p>
+          <a:p>
+            <a:r>
+              <a:rPr lang="de-CH" dirty="0" smtClean="0"/>
+              <a:t>Stand </a:t>
+            </a:r>
+            <a:r>
+              <a:rPr lang="de-CH" dirty="0" smtClean="0"/>
+              <a:t>Implementation</a:t>
+            </a:r>
+          </a:p>
+          <a:p>
+            <a:r>
+              <a:rPr lang="de-CH" dirty="0" smtClean="0"/>
+              <a:t>Domänen-Modell</a:t>
+            </a:r>
+            <a:endParaRPr lang="de-CH" dirty="0"/>
+          </a:p>
+          <a:p>
+            <a:r>
+              <a:rPr lang="de-CH" dirty="0" smtClean="0"/>
+              <a:t>Konkretere / Neue Ideen</a:t>
+            </a:r>
+            <a:endParaRPr lang="de-CH" dirty="0" smtClean="0"/>
+          </a:p>
+          <a:p>
+            <a:r>
+              <a:rPr lang="de-CH" dirty="0" smtClean="0"/>
+              <a:t>Spezielle </a:t>
+            </a:r>
+            <a:r>
+              <a:rPr lang="de-CH" dirty="0" err="1"/>
+              <a:t>Use</a:t>
+            </a:r>
+            <a:r>
+              <a:rPr lang="de-CH" dirty="0"/>
+              <a:t> Cases</a:t>
+            </a:r>
+          </a:p>
+          <a:p>
+            <a:r>
+              <a:rPr lang="de-CH" dirty="0" smtClean="0"/>
+              <a:t>Technisches</a:t>
+            </a:r>
+            <a:endParaRPr lang="de-CH" dirty="0"/>
+          </a:p>
+          <a:p>
+            <a:r>
+              <a:rPr lang="de-CH" dirty="0" smtClean="0"/>
+              <a:t>Demo Prototyp</a:t>
+            </a:r>
+            <a:endParaRPr lang="de-CH" dirty="0"/>
+          </a:p>
+          <a:p>
+            <a:r>
+              <a:rPr lang="de-CH" dirty="0"/>
+              <a:t>Fragen</a:t>
+            </a:r>
+          </a:p>
+        </p:txBody>
+      </p:sp>
+    </p:spTree>
+    <p:extLst>
+      <p:ext uri="{BB962C8B-B14F-4D97-AF65-F5344CB8AC3E}">
+        <p14:creationId xmlns:p14="http://schemas.microsoft.com/office/powerpoint/2010/main" val="3438924387"/>
+      </p:ext>
+    </p:extLst>
+  </p:cSld>
+  <p:clrMapOvr>
+    <a:masterClrMapping/>
+  </p:clrMapOvr>
+</p:sld>
+</file>
+
+<file path=ppt/slides/slide3.xml><?xml version="1.0" encoding="utf-8"?>
+<p:sld xmlns:a="http://schemas.openxmlformats.org/drawingml/2006/main" xmlns:r="http://schemas.openxmlformats.org/officeDocument/2006/relationships" xmlns:p="http://schemas.openxmlformats.org/presentationml/2006/main">
+  <p:cSld>
+    <p:spTree>
+      <p:nvGrpSpPr>
+        <p:cNvPr id="1" name=""/>
+        <p:cNvGrpSpPr/>
+        <p:nvPr/>
+      </p:nvGrpSpPr>
+      <p:grpSpPr>
+        <a:xfrm>
+          <a:off x="0" y="0"/>
+          <a:ext cx="0" cy="0"/>
+          <a:chOff x="0" y="0"/>
+          <a:chExt cx="0" cy="0"/>
+        </a:xfrm>
+      </p:grpSpPr>
+      <p:sp>
+        <p:nvSpPr>
+          <p:cNvPr id="2" name="Titel 1"/>
+          <p:cNvSpPr>
+            <a:spLocks noGrp="1"/>
+          </p:cNvSpPr>
+          <p:nvPr>
+            <p:ph type="title"/>
+          </p:nvPr>
+        </p:nvSpPr>
+        <p:spPr/>
+        <p:txBody>
+          <a:bodyPr/>
+          <a:lstStyle/>
+          <a:p>
+            <a:r>
+              <a:rPr lang="de-CH" dirty="0" smtClean="0"/>
+              <a:t>Stand Projekt</a:t>
+            </a:r>
+            <a:endParaRPr lang="de-CH" dirty="0"/>
+          </a:p>
+        </p:txBody>
+      </p:sp>
+      <p:sp>
+        <p:nvSpPr>
+          <p:cNvPr id="3" name="Inhaltsplatzhalter 2"/>
+          <p:cNvSpPr>
+            <a:spLocks noGrp="1"/>
+          </p:cNvSpPr>
+          <p:nvPr>
+            <p:ph sz="quarter" idx="1"/>
+          </p:nvPr>
+        </p:nvSpPr>
+        <p:spPr/>
+        <p:txBody>
+          <a:bodyPr/>
+          <a:lstStyle/>
+          <a:p>
+            <a:r>
+              <a:rPr lang="de-CH" dirty="0" err="1" smtClean="0"/>
+              <a:t>Todo</a:t>
+            </a:r>
+            <a:r>
+              <a:rPr lang="de-CH" dirty="0" smtClean="0"/>
+              <a:t> </a:t>
+            </a:r>
+            <a:r>
+              <a:rPr lang="de-CH" dirty="0" err="1" smtClean="0"/>
+              <a:t>Magelan</a:t>
+            </a:r>
+            <a:endParaRPr lang="de-CH" dirty="0" smtClean="0"/>
+          </a:p>
+          <a:p>
+            <a:endParaRPr lang="de-CH" dirty="0"/>
+          </a:p>
+        </p:txBody>
+      </p:sp>
+    </p:spTree>
+    <p:extLst>
+      <p:ext uri="{BB962C8B-B14F-4D97-AF65-F5344CB8AC3E}">
+        <p14:creationId xmlns:p14="http://schemas.microsoft.com/office/powerpoint/2010/main" val="2237911985"/>
+      </p:ext>
+    </p:extLst>
+  </p:cSld>
+  <p:clrMapOvr>
+    <a:masterClrMapping/>
+  </p:clrMapOvr>
+</p:sld>
+</file>
+
+<file path=ppt/slides/slide4.xml><?xml version="1.0" encoding="utf-8"?>
+<p:sld xmlns:a="http://schemas.openxmlformats.org/drawingml/2006/main" xmlns:r="http://schemas.openxmlformats.org/officeDocument/2006/relationships" xmlns:p="http://schemas.openxmlformats.org/presentationml/2006/main">
+  <p:cSld>
+    <p:spTree>
+      <p:nvGrpSpPr>
+        <p:cNvPr id="1" name=""/>
+        <p:cNvGrpSpPr/>
+        <p:nvPr/>
+      </p:nvGrpSpPr>
+      <p:grpSpPr>
+        <a:xfrm>
+          <a:off x="0" y="0"/>
+          <a:ext cx="0" cy="0"/>
+          <a:chOff x="0" y="0"/>
+          <a:chExt cx="0" cy="0"/>
+        </a:xfrm>
+      </p:grpSpPr>
+      <p:sp>
+        <p:nvSpPr>
+          <p:cNvPr id="2" name="Titel 1"/>
+          <p:cNvSpPr>
+            <a:spLocks noGrp="1"/>
+          </p:cNvSpPr>
+          <p:nvPr>
+            <p:ph type="title"/>
+          </p:nvPr>
+        </p:nvSpPr>
+        <p:spPr/>
+        <p:txBody>
+          <a:bodyPr/>
+          <a:lstStyle/>
+          <a:p>
+            <a:r>
+              <a:rPr lang="de-CH" dirty="0" smtClean="0"/>
+              <a:t>Stand Implementation</a:t>
+            </a:r>
+            <a:endParaRPr lang="de-CH" dirty="0"/>
+          </a:p>
+        </p:txBody>
+      </p:sp>
+      <p:sp>
+        <p:nvSpPr>
+          <p:cNvPr id="3" name="Inhaltsplatzhalter 2"/>
+          <p:cNvSpPr>
+            <a:spLocks noGrp="1"/>
+          </p:cNvSpPr>
+          <p:nvPr>
+            <p:ph sz="quarter" idx="1"/>
+          </p:nvPr>
+        </p:nvSpPr>
+        <p:spPr/>
+        <p:txBody>
+          <a:bodyPr/>
+          <a:lstStyle/>
+          <a:p>
+            <a:r>
+              <a:rPr lang="de-CH" sz="2300" dirty="0" err="1"/>
+              <a:t>LibGDX</a:t>
+            </a:r>
+            <a:endParaRPr lang="de-CH" sz="3100" dirty="0"/>
+          </a:p>
+          <a:p>
+            <a:pPr lvl="1"/>
+            <a:r>
+              <a:rPr lang="de-CH" sz="2000" dirty="0"/>
+              <a:t>Erste Tests positiv (Menu, Kollisionen, Performance)</a:t>
+            </a:r>
+            <a:endParaRPr lang="de-CH" dirty="0"/>
+          </a:p>
+          <a:p>
+            <a:r>
+              <a:rPr lang="de-CH" sz="2300" dirty="0" smtClean="0"/>
+              <a:t>Erster </a:t>
+            </a:r>
+            <a:r>
+              <a:rPr lang="de-CH" sz="2300" dirty="0"/>
+              <a:t>Prototyp</a:t>
+            </a:r>
+            <a:endParaRPr lang="de-CH" sz="3100" dirty="0"/>
+          </a:p>
+          <a:p>
+            <a:pPr lvl="1"/>
+            <a:r>
+              <a:rPr lang="de-CH" sz="2000" dirty="0"/>
+              <a:t>Hauptschiff steuerbar</a:t>
+            </a:r>
+            <a:endParaRPr lang="de-CH" dirty="0"/>
+          </a:p>
+          <a:p>
+            <a:pPr lvl="1"/>
+            <a:r>
+              <a:rPr lang="de-CH" sz="2000" dirty="0"/>
+              <a:t>Erster Gegner (Gruppe) vorhanden</a:t>
+            </a:r>
+            <a:endParaRPr lang="de-CH" dirty="0"/>
+          </a:p>
+          <a:p>
+            <a:endParaRPr lang="de-CH" dirty="0"/>
+          </a:p>
+        </p:txBody>
+      </p:sp>
+    </p:spTree>
+    <p:extLst>
+      <p:ext uri="{BB962C8B-B14F-4D97-AF65-F5344CB8AC3E}">
+        <p14:creationId xmlns:p14="http://schemas.microsoft.com/office/powerpoint/2010/main" val="1202080954"/>
+      </p:ext>
+    </p:extLst>
+  </p:cSld>
+  <p:clrMapOvr>
+    <a:masterClrMapping/>
+  </p:clrMapOvr>
+</p:sld>
+</file>
+
+<file path=ppt/slides/slide5.xml><?xml version="1.0" encoding="utf-8"?>
+<p:sld xmlns:a="http://schemas.openxmlformats.org/drawingml/2006/main" xmlns:r="http://schemas.openxmlformats.org/officeDocument/2006/relationships" xmlns:p="http://schemas.openxmlformats.org/presentationml/2006/main">
+  <p:cSld>
+    <p:spTree>
+      <p:nvGrpSpPr>
+        <p:cNvPr id="1" name=""/>
+        <p:cNvGrpSpPr/>
+        <p:nvPr/>
+      </p:nvGrpSpPr>
+      <p:grpSpPr>
+        <a:xfrm>
+          <a:off x="0" y="0"/>
+          <a:ext cx="0" cy="0"/>
+          <a:chOff x="0" y="0"/>
+          <a:chExt cx="0" cy="0"/>
+        </a:xfrm>
+      </p:grpSpPr>
+      <p:sp>
+        <p:nvSpPr>
+          <p:cNvPr id="2" name="Titel 1"/>
+          <p:cNvSpPr>
+            <a:spLocks noGrp="1"/>
+          </p:cNvSpPr>
+          <p:nvPr>
+            <p:ph type="title"/>
+          </p:nvPr>
+        </p:nvSpPr>
+        <p:spPr/>
+        <p:txBody>
+          <a:bodyPr/>
+          <a:lstStyle/>
+          <a:p>
+            <a:r>
+              <a:rPr lang="de-CH" dirty="0" smtClean="0"/>
+              <a:t>Domänenmodell</a:t>
+            </a:r>
+            <a:endParaRPr lang="de-CH" dirty="0"/>
+          </a:p>
+        </p:txBody>
+      </p:sp>
+      <p:pic>
+        <p:nvPicPr>
+          <p:cNvPr id="3" name="Picture 2"/>
+          <p:cNvPicPr>
+            <a:picLocks noChangeAspect="1" noChangeArrowheads="1"/>
+          </p:cNvPicPr>
+          <p:nvPr/>
+        </p:nvPicPr>
+        <p:blipFill>
+          <a:blip r:embed="rId2">
+            <a:extLst>
+              <a:ext uri="{28A0092B-C50C-407E-A947-70E740481C1C}">
+                <a14:useLocalDpi xmlns:a14="http://schemas.microsoft.com/office/drawing/2010/main" val="0"/>
+              </a:ext>
+            </a:extLst>
+          </a:blip>
+          <a:srcRect/>
+          <a:stretch>
+            <a:fillRect/>
+          </a:stretch>
+        </p:blipFill>
+        <p:spPr bwMode="auto">
+          <a:xfrm>
+            <a:off x="2148682" y="1766664"/>
+            <a:ext cx="4846637" cy="4038600"/>
+          </a:xfrm>
+          <a:prstGeom prst="rect">
+            <a:avLst/>
+          </a:prstGeom>
+          <a:noFill/>
+          <a:ln>
+            <a:noFill/>
+          </a:ln>
+          <a:effectLst/>
+          <a:extLst>
+            <a:ext uri="{909E8E84-426E-40DD-AFC4-6F175D3DCCD1}">
+              <a14:hiddenFill xmlns:a14="http://schemas.microsoft.com/office/drawing/2010/main">
+                <a:solidFill>
+                  <a:schemeClr val="accent1"/>
+                </a:solidFill>
+              </a14:hiddenFill>
+            </a:ext>
+            <a:ext uri="{91240B29-F687-4F45-9708-019B960494DF}">
+              <a14:hiddenLine xmlns:a14="http://schemas.microsoft.com/office/drawing/2010/main" w="9525">
+                <a:solidFill>
+                  <a:schemeClr val="tx1"/>
+                </a:solidFill>
+                <a:miter lim="800000"/>
+                <a:headEnd/>
+                <a:tailEnd/>
+              </a14:hiddenLine>
+            </a:ext>
+            <a:ext uri="{AF507438-7753-43E0-B8FC-AC1667EBCBE1}">
+              <a14:hiddenEffects xmlns:a14="http://schemas.microsoft.com/office/drawing/2010/main">
+                <a:effectLst>
+                  <a:outerShdw dist="35921" dir="2700000" algn="ctr" rotWithShape="0">
+                    <a:schemeClr val="bg2"/>
+                  </a:outerShdw>
+                </a:effectLst>
+              </a14:hiddenEffects>
+            </a:ext>
+          </a:extLst>
+        </p:spPr>
+      </p:pic>
+    </p:spTree>
+    <p:extLst>
+      <p:ext uri="{BB962C8B-B14F-4D97-AF65-F5344CB8AC3E}">
+        <p14:creationId xmlns:p14="http://schemas.microsoft.com/office/powerpoint/2010/main" val="2876740877"/>
+      </p:ext>
+    </p:extLst>
+  </p:cSld>
+  <p:clrMapOvr>
+    <a:masterClrMapping/>
+  </p:clrMapOvr>
+</p:sld>
+</file>
+
+<file path=ppt/slides/slide6.xml><?xml version="1.0" encoding="utf-8"?>
+<p:sld xmlns:a="http://schemas.openxmlformats.org/drawingml/2006/main" xmlns:r="http://schemas.openxmlformats.org/officeDocument/2006/relationships" xmlns:p="http://schemas.openxmlformats.org/presentationml/2006/main">
+  <p:cSld>
+    <p:spTree>
+      <p:nvGrpSpPr>
+        <p:cNvPr id="1" name=""/>
+        <p:cNvGrpSpPr/>
+        <p:nvPr/>
+      </p:nvGrpSpPr>
+      <p:grpSpPr>
+        <a:xfrm>
+          <a:off x="0" y="0"/>
+          <a:ext cx="0" cy="0"/>
+          <a:chOff x="0" y="0"/>
+          <a:chExt cx="0" cy="0"/>
+        </a:xfrm>
+      </p:grpSpPr>
+      <p:sp>
+        <p:nvSpPr>
+          <p:cNvPr id="2" name="Titel 1"/>
+          <p:cNvSpPr>
+            <a:spLocks noGrp="1"/>
+          </p:cNvSpPr>
+          <p:nvPr>
+            <p:ph type="title"/>
+          </p:nvPr>
+        </p:nvSpPr>
+        <p:spPr/>
+        <p:txBody>
+          <a:bodyPr/>
+          <a:lstStyle/>
+          <a:p>
+            <a:r>
+              <a:rPr lang="de-CH" dirty="0" smtClean="0"/>
+              <a:t>Konkretere / Neue Ideen</a:t>
+            </a:r>
+            <a:endParaRPr lang="de-CH" dirty="0"/>
+          </a:p>
+        </p:txBody>
+      </p:sp>
+      <p:sp>
+        <p:nvSpPr>
+          <p:cNvPr id="3" name="Inhaltsplatzhalter 2"/>
+          <p:cNvSpPr>
+            <a:spLocks noGrp="1"/>
+          </p:cNvSpPr>
+          <p:nvPr>
+            <p:ph sz="quarter" idx="1"/>
+          </p:nvPr>
+        </p:nvSpPr>
+        <p:spPr/>
+        <p:txBody>
+          <a:bodyPr/>
+          <a:lstStyle/>
+          <a:p>
+            <a:r>
+              <a:rPr lang="de-CH" sz="2300" dirty="0" smtClean="0"/>
+              <a:t>Detailliertere </a:t>
+            </a:r>
+            <a:r>
+              <a:rPr lang="de-CH" sz="2300" dirty="0" err="1" smtClean="0"/>
+              <a:t>Highscore</a:t>
+            </a:r>
+            <a:endParaRPr lang="de-CH" sz="3100" dirty="0"/>
+          </a:p>
+          <a:p>
+            <a:r>
+              <a:rPr lang="de-CH" sz="2300" dirty="0" smtClean="0"/>
+              <a:t>Gegnerbewegungsmuster</a:t>
+            </a:r>
+            <a:endParaRPr lang="de-CH" sz="3100" dirty="0"/>
+          </a:p>
+          <a:p>
+            <a:r>
+              <a:rPr lang="de-CH" sz="2300" dirty="0" smtClean="0"/>
+              <a:t>Gamefluss</a:t>
+            </a:r>
+            <a:endParaRPr lang="de-CH" sz="3100" dirty="0"/>
+          </a:p>
+        </p:txBody>
+      </p:sp>
+    </p:spTree>
+    <p:extLst>
+      <p:ext uri="{BB962C8B-B14F-4D97-AF65-F5344CB8AC3E}">
+        <p14:creationId xmlns:p14="http://schemas.microsoft.com/office/powerpoint/2010/main" val="1253552773"/>
+      </p:ext>
+    </p:extLst>
+  </p:cSld>
+  <p:clrMapOvr>
+    <a:masterClrMapping/>
+  </p:clrMapOvr>
+</p:sld>
+</file>
+
+<file path=ppt/slides/slide7.xml><?xml version="1.0" encoding="utf-8"?>
+<p:sld xmlns:a="http://schemas.openxmlformats.org/drawingml/2006/main" xmlns:r="http://schemas.openxmlformats.org/officeDocument/2006/relationships" xmlns:p="http://schemas.openxmlformats.org/presentationml/2006/main">
+  <p:cSld>
+    <p:spTree>
+      <p:nvGrpSpPr>
+        <p:cNvPr id="1" name=""/>
+        <p:cNvGrpSpPr/>
+        <p:nvPr/>
+      </p:nvGrpSpPr>
+      <p:grpSpPr>
+        <a:xfrm>
+          <a:off x="0" y="0"/>
+          <a:ext cx="0" cy="0"/>
+          <a:chOff x="0" y="0"/>
+          <a:chExt cx="0" cy="0"/>
+        </a:xfrm>
+      </p:grpSpPr>
+      <p:sp>
+        <p:nvSpPr>
+          <p:cNvPr id="2" name="Titel 1"/>
+          <p:cNvSpPr>
+            <a:spLocks noGrp="1"/>
+          </p:cNvSpPr>
+          <p:nvPr>
+            <p:ph type="title"/>
+          </p:nvPr>
+        </p:nvSpPr>
+        <p:spPr/>
+        <p:txBody>
+          <a:bodyPr/>
+          <a:lstStyle/>
+          <a:p>
+            <a:r>
+              <a:rPr lang="de-CH" dirty="0" smtClean="0"/>
+              <a:t>Spezielle </a:t>
+            </a:r>
+            <a:r>
+              <a:rPr lang="de-CH" dirty="0" err="1" smtClean="0"/>
+              <a:t>Use</a:t>
+            </a:r>
+            <a:r>
+              <a:rPr lang="de-CH" dirty="0" smtClean="0"/>
+              <a:t> Cases</a:t>
+            </a:r>
+            <a:endParaRPr lang="de-CH" dirty="0"/>
+          </a:p>
+        </p:txBody>
+      </p:sp>
+      <p:sp>
+        <p:nvSpPr>
+          <p:cNvPr id="3" name="Inhaltsplatzhalter 2"/>
+          <p:cNvSpPr>
+            <a:spLocks noGrp="1"/>
+          </p:cNvSpPr>
+          <p:nvPr>
+            <p:ph sz="quarter" idx="1"/>
+          </p:nvPr>
+        </p:nvSpPr>
+        <p:spPr/>
+        <p:txBody>
+          <a:bodyPr/>
+          <a:lstStyle/>
+          <a:p>
+            <a:r>
+              <a:rPr lang="de-CH" dirty="0" err="1" smtClean="0"/>
+              <a:t>Todo</a:t>
+            </a:r>
+            <a:endParaRPr lang="de-CH" dirty="0"/>
+          </a:p>
+        </p:txBody>
+      </p:sp>
+    </p:spTree>
+    <p:extLst>
+      <p:ext uri="{BB962C8B-B14F-4D97-AF65-F5344CB8AC3E}">
+        <p14:creationId xmlns:p14="http://schemas.microsoft.com/office/powerpoint/2010/main" val="3664799231"/>
+      </p:ext>
+    </p:extLst>
+  </p:cSld>
+  <p:clrMapOvr>
+    <a:masterClrMapping/>
+  </p:clrMapOvr>
+</p:sld>
+</file>
+
+<file path=ppt/slides/slide8.xml><?xml version="1.0" encoding="utf-8"?>
+<p:sld xmlns:a="http://schemas.openxmlformats.org/drawingml/2006/main" xmlns:r="http://schemas.openxmlformats.org/officeDocument/2006/relationships" xmlns:p="http://schemas.openxmlformats.org/presentationml/2006/main">
+  <p:cSld>
+    <p:spTree>
+      <p:nvGrpSpPr>
+        <p:cNvPr id="1" name=""/>
+        <p:cNvGrpSpPr/>
+        <p:nvPr/>
+      </p:nvGrpSpPr>
+      <p:grpSpPr>
+        <a:xfrm>
+          <a:off x="0" y="0"/>
+          <a:ext cx="0" cy="0"/>
+          <a:chOff x="0" y="0"/>
+          <a:chExt cx="0" cy="0"/>
+        </a:xfrm>
+      </p:grpSpPr>
+      <p:sp>
+        <p:nvSpPr>
+          <p:cNvPr id="2" name="Titel 1"/>
+          <p:cNvSpPr>
+            <a:spLocks noGrp="1"/>
+          </p:cNvSpPr>
+          <p:nvPr>
+            <p:ph type="title"/>
+          </p:nvPr>
+        </p:nvSpPr>
+        <p:spPr/>
+        <p:txBody>
+          <a:bodyPr/>
+          <a:lstStyle/>
+          <a:p>
+            <a:r>
+              <a:rPr lang="de-CH" dirty="0" smtClean="0"/>
+              <a:t>Technisches</a:t>
+            </a:r>
+            <a:endParaRPr lang="de-CH" dirty="0"/>
+          </a:p>
+        </p:txBody>
+      </p:sp>
+      <p:sp>
+        <p:nvSpPr>
+          <p:cNvPr id="3" name="Inhaltsplatzhalter 2"/>
+          <p:cNvSpPr>
+            <a:spLocks noGrp="1"/>
+          </p:cNvSpPr>
+          <p:nvPr>
+            <p:ph sz="quarter" idx="1"/>
+          </p:nvPr>
+        </p:nvSpPr>
+        <p:spPr/>
+        <p:txBody>
+          <a:bodyPr/>
+          <a:lstStyle/>
+          <a:p>
+            <a:r>
+              <a:rPr lang="de-CH" sz="2300" dirty="0" err="1"/>
+              <a:t>LibGdx</a:t>
+            </a:r>
+            <a:endParaRPr lang="de-CH" sz="3100" dirty="0"/>
+          </a:p>
+          <a:p>
+            <a:pPr lvl="1"/>
+            <a:r>
+              <a:rPr lang="de-CH" sz="2000" dirty="0" err="1"/>
+              <a:t>Textures</a:t>
+            </a:r>
+            <a:r>
+              <a:rPr lang="de-CH" sz="2000" dirty="0"/>
+              <a:t> und </a:t>
+            </a:r>
+            <a:r>
+              <a:rPr lang="de-CH" sz="2000" dirty="0" err="1"/>
+              <a:t>Vectoren</a:t>
+            </a:r>
+            <a:endParaRPr lang="de-CH" dirty="0"/>
+          </a:p>
+          <a:p>
+            <a:pPr lvl="1"/>
+            <a:r>
+              <a:rPr lang="de-CH" sz="2000" dirty="0"/>
+              <a:t>Sound Manager</a:t>
+            </a:r>
+            <a:endParaRPr lang="de-CH" dirty="0"/>
+          </a:p>
+          <a:p>
+            <a:r>
+              <a:rPr lang="de-CH" sz="2300" dirty="0"/>
+              <a:t>Architektur</a:t>
+            </a:r>
+            <a:endParaRPr lang="de-CH" sz="3100" dirty="0"/>
+          </a:p>
+          <a:p>
+            <a:pPr lvl="1"/>
+            <a:r>
+              <a:rPr lang="de-CH" sz="2000" dirty="0"/>
+              <a:t>MVC</a:t>
+            </a:r>
+            <a:endParaRPr lang="de-CH" dirty="0"/>
+          </a:p>
+          <a:p>
+            <a:pPr lvl="1"/>
+            <a:r>
+              <a:rPr lang="de-CH" sz="2000" dirty="0"/>
+              <a:t>Screen</a:t>
+            </a:r>
+            <a:endParaRPr lang="de-CH" dirty="0"/>
+          </a:p>
+          <a:p>
+            <a:pPr lvl="1"/>
+            <a:r>
+              <a:rPr lang="de-CH" sz="2000" dirty="0" err="1"/>
+              <a:t>Renderer</a:t>
+            </a:r>
+            <a:endParaRPr lang="de-CH" dirty="0"/>
+          </a:p>
+        </p:txBody>
+      </p:sp>
+    </p:spTree>
+    <p:extLst>
+      <p:ext uri="{BB962C8B-B14F-4D97-AF65-F5344CB8AC3E}">
+        <p14:creationId xmlns:p14="http://schemas.microsoft.com/office/powerpoint/2010/main" val="3480487774"/>
+      </p:ext>
+    </p:extLst>
+  </p:cSld>
+  <p:clrMapOvr>
+    <a:masterClrMapping/>
+  </p:clrMapOvr>
+</p:sld>
+</file>
+
 <file path=ppt/slides/slide9.xml><?xml version="1.0" encoding="utf-8"?>
 <p:sld xmlns:a="http://schemas.openxmlformats.org/drawingml/2006/main" xmlns:r="http://schemas.openxmlformats.org/officeDocument/2006/relationships" xmlns:p="http://schemas.openxmlformats.org/presentationml/2006/main">
   <p:cSld>
@@ -5985,12 +6308,12 @@
       </p:grpSpPr>
       <p:sp>
         <p:nvSpPr>
-          <p:cNvPr id="11" name="Titel 10"/>
-          <p:cNvSpPr>
-            <a:spLocks noGrp="1"/>
-          </p:cNvSpPr>
-          <p:nvPr>
-            <p:ph type="ctrTitle"/>
+          <p:cNvPr id="4" name="Titel 3"/>
+          <p:cNvSpPr>
+            <a:spLocks noGrp="1"/>
+          </p:cNvSpPr>
+          <p:nvPr>
+            <p:ph type="title"/>
           </p:nvPr>
         </p:nvSpPr>
         <p:spPr/>
@@ -6000,30 +6323,7 @@
           <a:p>
             <a:r>
               <a:rPr lang="de-CH" dirty="0" smtClean="0"/>
-              <a:t>Vielen Dank</a:t>
-            </a:r>
-            <a:endParaRPr lang="de-CH" dirty="0"/>
-          </a:p>
-        </p:txBody>
-      </p:sp>
-      <p:sp>
-        <p:nvSpPr>
-          <p:cNvPr id="12" name="Untertitel 11"/>
-          <p:cNvSpPr>
-            <a:spLocks noGrp="1"/>
-          </p:cNvSpPr>
-          <p:nvPr>
-            <p:ph type="subTitle" idx="1"/>
-          </p:nvPr>
-        </p:nvSpPr>
-        <p:spPr/>
-        <p:txBody>
-          <a:bodyPr/>
-          <a:lstStyle/>
-          <a:p>
-            <a:r>
-              <a:rPr lang="de-CH" dirty="0" smtClean="0"/>
-              <a:t>Für die Aufmerksamkeit</a:t>
+              <a:t>Demo Prototyp</a:t>
             </a:r>
             <a:endParaRPr lang="de-CH" dirty="0"/>
           </a:p>
@@ -6032,7 +6332,7 @@
     </p:spTree>
     <p:extLst>
       <p:ext uri="{BB962C8B-B14F-4D97-AF65-F5344CB8AC3E}">
-        <p14:creationId xmlns:p14="http://schemas.microsoft.com/office/powerpoint/2010/main" val="682285084"/>
+        <p14:creationId xmlns:p14="http://schemas.microsoft.com/office/powerpoint/2010/main" val="3567899889"/>
       </p:ext>
     </p:extLst>
   </p:cSld>

--- a/documentation/presentation/Analyse/Analyse.pptx
+++ b/documentation/presentation/Analyse/Analyse.pptx
@@ -7,15 +7,14 @@
   <p:sldIdLst>
     <p:sldId id="256" r:id="rId2"/>
     <p:sldId id="257" r:id="rId3"/>
-    <p:sldId id="260" r:id="rId4"/>
-    <p:sldId id="265" r:id="rId5"/>
+    <p:sldId id="265" r:id="rId4"/>
+    <p:sldId id="261" r:id="rId5"/>
     <p:sldId id="263" r:id="rId6"/>
-    <p:sldId id="261" r:id="rId7"/>
-    <p:sldId id="262" r:id="rId8"/>
-    <p:sldId id="264" r:id="rId9"/>
-    <p:sldId id="266" r:id="rId10"/>
-    <p:sldId id="259" r:id="rId11"/>
-    <p:sldId id="258" r:id="rId12"/>
+    <p:sldId id="262" r:id="rId7"/>
+    <p:sldId id="264" r:id="rId8"/>
+    <p:sldId id="266" r:id="rId9"/>
+    <p:sldId id="259" r:id="rId10"/>
+    <p:sldId id="258" r:id="rId11"/>
   </p:sldIdLst>
   <p:sldSz cx="9144000" cy="6858000" type="screen4x3"/>
   <p:notesSz cx="6858000" cy="9144000"/>
@@ -258,7 +257,7 @@
           <a:p>
             <a:fld id="{6A5DC9BA-3FDA-4498-91BC-F5637C6762DB}" type="datetimeFigureOut">
               <a:rPr lang="de-CH" smtClean="0"/>
-              <a:t>22.10.2012</a:t>
+              <a:t>23.10.2012</a:t>
             </a:fld>
             <a:endParaRPr lang="de-CH"/>
           </a:p>
@@ -1015,6 +1014,18 @@
   <p:clrMapOvr>
     <a:overrideClrMapping bg1="lt1" tx1="dk1" bg2="lt2" tx2="dk2" accent1="accent1" accent2="accent2" accent3="accent3" accent4="accent4" accent5="accent5" accent6="accent6" hlink="hlink" folHlink="folHlink"/>
   </p:clrMapOvr>
+  <mc:AlternateContent xmlns:mc="http://schemas.openxmlformats.org/markup-compatibility/2006">
+    <mc:Choice xmlns:p14="http://schemas.microsoft.com/office/powerpoint/2010/main" Requires="p14">
+      <p:transition spd="slow">
+        <p14:reveal/>
+      </p:transition>
+    </mc:Choice>
+    <mc:Fallback>
+      <p:transition spd="slow">
+        <p:fade/>
+      </p:transition>
+    </mc:Fallback>
+  </mc:AlternateContent>
 </p:sldLayout>
 </file>
 
@@ -1158,7 +1169,7 @@
           <a:p>
             <a:fld id="{6A5DC9BA-3FDA-4498-91BC-F5637C6762DB}" type="datetimeFigureOut">
               <a:rPr lang="de-CH" smtClean="0"/>
-              <a:t>22.10.2012</a:t>
+              <a:t>23.10.2012</a:t>
             </a:fld>
             <a:endParaRPr lang="de-CH"/>
           </a:p>
@@ -1211,6 +1222,18 @@
   <p:clrMapOvr>
     <a:masterClrMapping/>
   </p:clrMapOvr>
+  <mc:AlternateContent xmlns:mc="http://schemas.openxmlformats.org/markup-compatibility/2006">
+    <mc:Choice xmlns:p14="http://schemas.microsoft.com/office/powerpoint/2010/main" Requires="p14">
+      <p:transition spd="slow">
+        <p14:reveal/>
+      </p:transition>
+    </mc:Choice>
+    <mc:Fallback>
+      <p:transition spd="slow">
+        <p:fade/>
+      </p:transition>
+    </mc:Fallback>
+  </mc:AlternateContent>
 </p:sldLayout>
 </file>
 
@@ -1364,7 +1387,7 @@
           <a:p>
             <a:fld id="{6A5DC9BA-3FDA-4498-91BC-F5637C6762DB}" type="datetimeFigureOut">
               <a:rPr lang="de-CH" smtClean="0"/>
-              <a:t>22.10.2012</a:t>
+              <a:t>23.10.2012</a:t>
             </a:fld>
             <a:endParaRPr lang="de-CH"/>
           </a:p>
@@ -1417,6 +1440,18 @@
   <p:clrMapOvr>
     <a:masterClrMapping/>
   </p:clrMapOvr>
+  <mc:AlternateContent xmlns:mc="http://schemas.openxmlformats.org/markup-compatibility/2006">
+    <mc:Choice xmlns:p14="http://schemas.microsoft.com/office/powerpoint/2010/main" Requires="p14">
+      <p:transition spd="slow">
+        <p14:reveal/>
+      </p:transition>
+    </mc:Choice>
+    <mc:Fallback>
+      <p:transition spd="slow">
+        <p:fade/>
+      </p:transition>
+    </mc:Fallback>
+  </mc:AlternateContent>
 </p:sldLayout>
 </file>
 
@@ -1565,7 +1600,7 @@
           <a:p>
             <a:fld id="{6A5DC9BA-3FDA-4498-91BC-F5637C6762DB}" type="datetimeFigureOut">
               <a:rPr lang="de-CH" smtClean="0"/>
-              <a:t>22.10.2012</a:t>
+              <a:t>23.10.2012</a:t>
             </a:fld>
             <a:endParaRPr lang="de-CH"/>
           </a:p>
@@ -1618,6 +1653,18 @@
   <p:clrMapOvr>
     <a:masterClrMapping/>
   </p:clrMapOvr>
+  <mc:AlternateContent xmlns:mc="http://schemas.openxmlformats.org/markup-compatibility/2006">
+    <mc:Choice xmlns:p14="http://schemas.microsoft.com/office/powerpoint/2010/main" Requires="p14">
+      <p:transition spd="slow">
+        <p14:reveal/>
+      </p:transition>
+    </mc:Choice>
+    <mc:Fallback>
+      <p:transition spd="slow">
+        <p:fade/>
+      </p:transition>
+    </mc:Fallback>
+  </mc:AlternateContent>
 </p:sldLayout>
 </file>
 
@@ -1779,7 +1826,7 @@
           <a:p>
             <a:fld id="{6A5DC9BA-3FDA-4498-91BC-F5637C6762DB}" type="datetimeFigureOut">
               <a:rPr lang="de-CH" smtClean="0"/>
-              <a:t>22.10.2012</a:t>
+              <a:t>23.10.2012</a:t>
             </a:fld>
             <a:endParaRPr lang="de-CH"/>
           </a:p>
@@ -2533,6 +2580,18 @@
   <p:clrMapOvr>
     <a:overrideClrMapping bg1="dk1" tx1="lt1" bg2="dk2" tx2="lt2" accent1="accent1" accent2="accent2" accent3="accent3" accent4="accent4" accent5="accent5" accent6="accent6" hlink="hlink" folHlink="folHlink"/>
   </p:clrMapOvr>
+  <mc:AlternateContent xmlns:mc="http://schemas.openxmlformats.org/markup-compatibility/2006">
+    <mc:Choice xmlns:p14="http://schemas.microsoft.com/office/powerpoint/2010/main" Requires="p14">
+      <p:transition spd="slow">
+        <p14:reveal/>
+      </p:transition>
+    </mc:Choice>
+    <mc:Fallback>
+      <p:transition spd="slow">
+        <p:fade/>
+      </p:transition>
+    </mc:Fallback>
+  </mc:AlternateContent>
 </p:sldLayout>
 </file>
 
@@ -2593,7 +2652,7 @@
           <a:p>
             <a:fld id="{6A5DC9BA-3FDA-4498-91BC-F5637C6762DB}" type="datetimeFigureOut">
               <a:rPr lang="de-CH" smtClean="0"/>
-              <a:t>22.10.2012</a:t>
+              <a:t>23.10.2012</a:t>
             </a:fld>
             <a:endParaRPr lang="de-CH"/>
           </a:p>
@@ -2826,6 +2885,18 @@
   <p:clrMapOvr>
     <a:masterClrMapping/>
   </p:clrMapOvr>
+  <mc:AlternateContent xmlns:mc="http://schemas.openxmlformats.org/markup-compatibility/2006">
+    <mc:Choice xmlns:p14="http://schemas.microsoft.com/office/powerpoint/2010/main" Requires="p14">
+      <p:transition spd="slow">
+        <p14:reveal/>
+      </p:transition>
+    </mc:Choice>
+    <mc:Fallback>
+      <p:transition spd="slow">
+        <p:fade/>
+      </p:transition>
+    </mc:Fallback>
+  </mc:AlternateContent>
 </p:sldLayout>
 </file>
 
@@ -2895,7 +2966,7 @@
           <a:p>
             <a:fld id="{6A5DC9BA-3FDA-4498-91BC-F5637C6762DB}" type="datetimeFigureOut">
               <a:rPr lang="de-CH" smtClean="0"/>
-              <a:t>22.10.2012</a:t>
+              <a:t>23.10.2012</a:t>
             </a:fld>
             <a:endParaRPr lang="de-CH"/>
           </a:p>
@@ -3210,6 +3281,18 @@
   <p:clrMapOvr>
     <a:masterClrMapping/>
   </p:clrMapOvr>
+  <mc:AlternateContent xmlns:mc="http://schemas.openxmlformats.org/markup-compatibility/2006">
+    <mc:Choice xmlns:p14="http://schemas.microsoft.com/office/powerpoint/2010/main" Requires="p14">
+      <p:transition spd="slow">
+        <p14:reveal/>
+      </p:transition>
+    </mc:Choice>
+    <mc:Fallback>
+      <p:transition spd="slow">
+        <p:fade/>
+      </p:transition>
+    </mc:Fallback>
+  </mc:AlternateContent>
 </p:sldLayout>
 </file>
 
@@ -3270,7 +3353,7 @@
           <a:p>
             <a:fld id="{6A5DC9BA-3FDA-4498-91BC-F5637C6762DB}" type="datetimeFigureOut">
               <a:rPr lang="de-CH" smtClean="0"/>
-              <a:t>22.10.2012</a:t>
+              <a:t>23.10.2012</a:t>
             </a:fld>
             <a:endParaRPr lang="de-CH"/>
           </a:p>
@@ -3323,6 +3406,18 @@
   <p:clrMapOvr>
     <a:masterClrMapping/>
   </p:clrMapOvr>
+  <mc:AlternateContent xmlns:mc="http://schemas.openxmlformats.org/markup-compatibility/2006">
+    <mc:Choice xmlns:p14="http://schemas.microsoft.com/office/powerpoint/2010/main" Requires="p14">
+      <p:transition spd="slow">
+        <p14:reveal/>
+      </p:transition>
+    </mc:Choice>
+    <mc:Fallback>
+      <p:transition spd="slow">
+        <p:fade/>
+      </p:transition>
+    </mc:Fallback>
+  </mc:AlternateContent>
 </p:sldLayout>
 </file>
 
@@ -3360,7 +3455,7 @@
           <a:p>
             <a:fld id="{6A5DC9BA-3FDA-4498-91BC-F5637C6762DB}" type="datetimeFigureOut">
               <a:rPr lang="de-CH" smtClean="0"/>
-              <a:t>22.10.2012</a:t>
+              <a:t>23.10.2012</a:t>
             </a:fld>
             <a:endParaRPr lang="de-CH"/>
           </a:p>
@@ -3413,6 +3508,18 @@
   <p:clrMapOvr>
     <a:masterClrMapping/>
   </p:clrMapOvr>
+  <mc:AlternateContent xmlns:mc="http://schemas.openxmlformats.org/markup-compatibility/2006">
+    <mc:Choice xmlns:p14="http://schemas.microsoft.com/office/powerpoint/2010/main" Requires="p14">
+      <p:transition spd="slow">
+        <p14:reveal/>
+      </p:transition>
+    </mc:Choice>
+    <mc:Fallback>
+      <p:transition spd="slow">
+        <p:fade/>
+      </p:transition>
+    </mc:Fallback>
+  </mc:AlternateContent>
 </p:sldLayout>
 </file>
 
@@ -3908,7 +4015,7 @@
           <a:p>
             <a:fld id="{6A5DC9BA-3FDA-4498-91BC-F5637C6762DB}" type="datetimeFigureOut">
               <a:rPr lang="de-CH" smtClean="0"/>
-              <a:t>22.10.2012</a:t>
+              <a:t>23.10.2012</a:t>
             </a:fld>
             <a:endParaRPr lang="de-CH"/>
           </a:p>
@@ -3961,6 +4068,18 @@
   <p:clrMapOvr>
     <a:overrideClrMapping bg1="lt1" tx1="dk1" bg2="lt2" tx2="dk2" accent1="accent1" accent2="accent2" accent3="accent3" accent4="accent4" accent5="accent5" accent6="accent6" hlink="hlink" folHlink="folHlink"/>
   </p:clrMapOvr>
+  <mc:AlternateContent xmlns:mc="http://schemas.openxmlformats.org/markup-compatibility/2006">
+    <mc:Choice xmlns:p14="http://schemas.microsoft.com/office/powerpoint/2010/main" Requires="p14">
+      <p:transition spd="slow">
+        <p14:reveal/>
+      </p:transition>
+    </mc:Choice>
+    <mc:Fallback>
+      <p:transition spd="slow">
+        <p:fade/>
+      </p:transition>
+    </mc:Fallback>
+  </mc:AlternateContent>
 </p:sldLayout>
 </file>
 
@@ -4422,7 +4541,7 @@
           <a:p>
             <a:fld id="{6A5DC9BA-3FDA-4498-91BC-F5637C6762DB}" type="datetimeFigureOut">
               <a:rPr lang="de-CH" smtClean="0"/>
-              <a:t>22.10.2012</a:t>
+              <a:t>23.10.2012</a:t>
             </a:fld>
             <a:endParaRPr lang="de-CH"/>
           </a:p>
@@ -4475,6 +4594,18 @@
   <p:clrMapOvr>
     <a:masterClrMapping/>
   </p:clrMapOvr>
+  <mc:AlternateContent xmlns:mc="http://schemas.openxmlformats.org/markup-compatibility/2006">
+    <mc:Choice xmlns:p14="http://schemas.microsoft.com/office/powerpoint/2010/main" Requires="p14">
+      <p:transition spd="slow">
+        <p14:reveal/>
+      </p:transition>
+    </mc:Choice>
+    <mc:Fallback>
+      <p:transition spd="slow">
+        <p:fade/>
+      </p:transition>
+    </mc:Fallback>
+  </mc:AlternateContent>
 </p:sldLayout>
 </file>
 
@@ -4667,7 +4798,7 @@
           <a:p>
             <a:fld id="{6A5DC9BA-3FDA-4498-91BC-F5637C6762DB}" type="datetimeFigureOut">
               <a:rPr lang="de-CH" smtClean="0"/>
-              <a:t>22.10.2012</a:t>
+              <a:t>23.10.2012</a:t>
             </a:fld>
             <a:endParaRPr lang="de-CH"/>
           </a:p>
@@ -4965,6 +5096,18 @@
     <p:sldLayoutId id="2147483778" r:id="rId10"/>
     <p:sldLayoutId id="2147483779" r:id="rId11"/>
   </p:sldLayoutIdLst>
+  <mc:AlternateContent xmlns:mc="http://schemas.openxmlformats.org/markup-compatibility/2006">
+    <mc:Choice xmlns:p14="http://schemas.microsoft.com/office/powerpoint/2010/main" Requires="p14">
+      <p:transition spd="slow">
+        <p14:reveal/>
+      </p:transition>
+    </mc:Choice>
+    <mc:Fallback>
+      <p:transition spd="slow">
+        <p:fade/>
+      </p:transition>
+    </mc:Fallback>
+  </mc:AlternateContent>
   <p:txStyles>
     <p:titleStyle>
       <a:lvl1pPr algn="l" rtl="0" eaLnBrk="1" latinLnBrk="0" hangingPunct="1">
@@ -5327,6 +5470,25 @@
   <p:clrMapOvr>
     <a:masterClrMapping/>
   </p:clrMapOvr>
+  <mc:AlternateContent xmlns:mc="http://schemas.openxmlformats.org/markup-compatibility/2006">
+    <mc:Choice xmlns:p14="http://schemas.microsoft.com/office/powerpoint/2010/main" Requires="p14">
+      <p:transition spd="slow">
+        <p14:reveal/>
+      </p:transition>
+    </mc:Choice>
+    <mc:Fallback>
+      <p:transition spd="slow">
+        <p:fade/>
+      </p:transition>
+    </mc:Fallback>
+  </mc:AlternateContent>
+  <p:timing>
+    <p:tnLst>
+      <p:par>
+        <p:cTn id="1" dur="indefinite" restart="never" nodeType="tmRoot"/>
+      </p:par>
+    </p:tnLst>
+  </p:timing>
 </p:sld>
 </file>
 
@@ -5349,7 +5511,102 @@
       </p:grpSpPr>
       <p:sp>
         <p:nvSpPr>
-          <p:cNvPr id="7" name="Titel 6"/>
+          <p:cNvPr id="11" name="Titel 10"/>
+          <p:cNvSpPr>
+            <a:spLocks noGrp="1"/>
+          </p:cNvSpPr>
+          <p:nvPr>
+            <p:ph type="ctrTitle"/>
+          </p:nvPr>
+        </p:nvSpPr>
+        <p:spPr/>
+        <p:txBody>
+          <a:bodyPr/>
+          <a:lstStyle/>
+          <a:p>
+            <a:r>
+              <a:rPr lang="de-CH" dirty="0" smtClean="0"/>
+              <a:t>Vielen Dank</a:t>
+            </a:r>
+            <a:endParaRPr lang="de-CH" dirty="0"/>
+          </a:p>
+        </p:txBody>
+      </p:sp>
+      <p:sp>
+        <p:nvSpPr>
+          <p:cNvPr id="12" name="Untertitel 11"/>
+          <p:cNvSpPr>
+            <a:spLocks noGrp="1"/>
+          </p:cNvSpPr>
+          <p:nvPr>
+            <p:ph type="subTitle" idx="1"/>
+          </p:nvPr>
+        </p:nvSpPr>
+        <p:spPr/>
+        <p:txBody>
+          <a:bodyPr/>
+          <a:lstStyle/>
+          <a:p>
+            <a:r>
+              <a:rPr lang="de-CH" dirty="0" smtClean="0"/>
+              <a:t>Für die Aufmerksamkeit</a:t>
+            </a:r>
+            <a:endParaRPr lang="de-CH" dirty="0"/>
+          </a:p>
+        </p:txBody>
+      </p:sp>
+    </p:spTree>
+    <p:extLst>
+      <p:ext uri="{BB962C8B-B14F-4D97-AF65-F5344CB8AC3E}">
+        <p14:creationId xmlns:p14="http://schemas.microsoft.com/office/powerpoint/2010/main" val="682285084"/>
+      </p:ext>
+    </p:extLst>
+  </p:cSld>
+  <p:clrMapOvr>
+    <a:masterClrMapping/>
+  </p:clrMapOvr>
+  <mc:AlternateContent xmlns:mc="http://schemas.openxmlformats.org/markup-compatibility/2006">
+    <mc:Choice xmlns:p14="http://schemas.microsoft.com/office/powerpoint/2010/main" Requires="p14">
+      <p:transition spd="slow">
+        <p14:reveal/>
+      </p:transition>
+    </mc:Choice>
+    <mc:Fallback>
+      <p:transition spd="slow">
+        <p:fade/>
+      </p:transition>
+    </mc:Fallback>
+  </mc:AlternateContent>
+  <p:timing>
+    <p:tnLst>
+      <p:par>
+        <p:cTn id="1" dur="indefinite" restart="never" nodeType="tmRoot"/>
+      </p:par>
+    </p:tnLst>
+  </p:timing>
+</p:sld>
+</file>
+
+<file path=ppt/slides/slide2.xml><?xml version="1.0" encoding="utf-8"?>
+<p:sld xmlns:a="http://schemas.openxmlformats.org/drawingml/2006/main" xmlns:r="http://schemas.openxmlformats.org/officeDocument/2006/relationships" xmlns:p="http://schemas.openxmlformats.org/presentationml/2006/main">
+  <p:cSld>
+    <p:spTree>
+      <p:nvGrpSpPr>
+        <p:cNvPr id="1" name=""/>
+        <p:cNvGrpSpPr/>
+        <p:nvPr/>
+      </p:nvGrpSpPr>
+      <p:grpSpPr>
+        <a:xfrm>
+          <a:off x="0" y="0"/>
+          <a:ext cx="0" cy="0"/>
+          <a:chOff x="0" y="0"/>
+          <a:chExt cx="0" cy="0"/>
+        </a:xfrm>
+      </p:grpSpPr>
+      <p:sp>
+        <p:nvSpPr>
+          <p:cNvPr id="2" name="Titel 1"/>
           <p:cNvSpPr>
             <a:spLocks noGrp="1"/>
           </p:cNvSpPr>
@@ -5364,7 +5621,471 @@
           <a:p>
             <a:r>
               <a:rPr lang="de-CH" dirty="0" smtClean="0"/>
+              <a:t>Agenda</a:t>
+            </a:r>
+            <a:endParaRPr lang="de-CH" dirty="0"/>
+          </a:p>
+        </p:txBody>
+      </p:sp>
+      <p:sp>
+        <p:nvSpPr>
+          <p:cNvPr id="3" name="Inhaltsplatzhalter 2"/>
+          <p:cNvSpPr>
+            <a:spLocks noGrp="1"/>
+          </p:cNvSpPr>
+          <p:nvPr>
+            <p:ph sz="quarter" idx="1"/>
+          </p:nvPr>
+        </p:nvSpPr>
+        <p:spPr/>
+        <p:txBody>
+          <a:bodyPr>
+            <a:normAutofit/>
+          </a:bodyPr>
+          <a:lstStyle/>
+          <a:p>
+            <a:r>
+              <a:rPr lang="de-CH" dirty="0"/>
+              <a:t>Stand </a:t>
+            </a:r>
+            <a:r>
+              <a:rPr lang="de-CH" dirty="0" smtClean="0"/>
+              <a:t>Projekt</a:t>
+            </a:r>
+            <a:endParaRPr lang="de-CH" dirty="0" smtClean="0"/>
+          </a:p>
+          <a:p>
+            <a:r>
+              <a:rPr lang="de-CH" dirty="0" smtClean="0"/>
+              <a:t>Konkretere Ideen</a:t>
+            </a:r>
+            <a:endParaRPr lang="de-CH" dirty="0" smtClean="0"/>
+          </a:p>
+          <a:p>
+            <a:r>
+              <a:rPr lang="de-CH" dirty="0" smtClean="0"/>
+              <a:t>Domänen-Modell</a:t>
+            </a:r>
+          </a:p>
+          <a:p>
+            <a:r>
+              <a:rPr lang="de-CH" dirty="0" smtClean="0"/>
+              <a:t>Haupt </a:t>
+            </a:r>
+            <a:r>
+              <a:rPr lang="de-CH" dirty="0" err="1" smtClean="0"/>
+              <a:t>Use</a:t>
+            </a:r>
+            <a:r>
+              <a:rPr lang="de-CH" dirty="0" smtClean="0"/>
+              <a:t> </a:t>
+            </a:r>
+            <a:r>
+              <a:rPr lang="de-CH" dirty="0"/>
+              <a:t>Cases</a:t>
+            </a:r>
+          </a:p>
+          <a:p>
+            <a:r>
+              <a:rPr lang="de-CH" dirty="0" smtClean="0"/>
+              <a:t>Technisches</a:t>
+            </a:r>
+            <a:endParaRPr lang="de-CH" dirty="0"/>
+          </a:p>
+          <a:p>
+            <a:r>
+              <a:rPr lang="de-CH" dirty="0" smtClean="0"/>
+              <a:t>Demo Prototyp</a:t>
+            </a:r>
+            <a:endParaRPr lang="de-CH" dirty="0"/>
+          </a:p>
+          <a:p>
+            <a:r>
+              <a:rPr lang="de-CH" dirty="0"/>
               <a:t>Fragen</a:t>
+            </a:r>
+          </a:p>
+        </p:txBody>
+      </p:sp>
+    </p:spTree>
+    <p:extLst>
+      <p:ext uri="{BB962C8B-B14F-4D97-AF65-F5344CB8AC3E}">
+        <p14:creationId xmlns:p14="http://schemas.microsoft.com/office/powerpoint/2010/main" val="3438924387"/>
+      </p:ext>
+    </p:extLst>
+  </p:cSld>
+  <p:clrMapOvr>
+    <a:masterClrMapping/>
+  </p:clrMapOvr>
+  <mc:AlternateContent xmlns:mc="http://schemas.openxmlformats.org/markup-compatibility/2006">
+    <mc:Choice xmlns:p14="http://schemas.microsoft.com/office/powerpoint/2010/main" Requires="p14">
+      <p:transition spd="slow">
+        <p14:reveal/>
+      </p:transition>
+    </mc:Choice>
+    <mc:Fallback>
+      <p:transition spd="slow">
+        <p:fade/>
+      </p:transition>
+    </mc:Fallback>
+  </mc:AlternateContent>
+  <p:timing>
+    <p:tnLst>
+      <p:par>
+        <p:cTn id="1" dur="indefinite" restart="never" nodeType="tmRoot"/>
+      </p:par>
+    </p:tnLst>
+  </p:timing>
+</p:sld>
+</file>
+
+<file path=ppt/slides/slide3.xml><?xml version="1.0" encoding="utf-8"?>
+<p:sld xmlns:a="http://schemas.openxmlformats.org/drawingml/2006/main" xmlns:r="http://schemas.openxmlformats.org/officeDocument/2006/relationships" xmlns:p="http://schemas.openxmlformats.org/presentationml/2006/main">
+  <p:cSld>
+    <p:spTree>
+      <p:nvGrpSpPr>
+        <p:cNvPr id="1" name=""/>
+        <p:cNvGrpSpPr/>
+        <p:nvPr/>
+      </p:nvGrpSpPr>
+      <p:grpSpPr>
+        <a:xfrm>
+          <a:off x="0" y="0"/>
+          <a:ext cx="0" cy="0"/>
+          <a:chOff x="0" y="0"/>
+          <a:chExt cx="0" cy="0"/>
+        </a:xfrm>
+      </p:grpSpPr>
+      <p:sp>
+        <p:nvSpPr>
+          <p:cNvPr id="2" name="Titel 1"/>
+          <p:cNvSpPr>
+            <a:spLocks noGrp="1"/>
+          </p:cNvSpPr>
+          <p:nvPr>
+            <p:ph type="title"/>
+          </p:nvPr>
+        </p:nvSpPr>
+        <p:spPr/>
+        <p:txBody>
+          <a:bodyPr/>
+          <a:lstStyle/>
+          <a:p>
+            <a:r>
+              <a:rPr lang="de-CH" dirty="0" smtClean="0"/>
+              <a:t>Stand </a:t>
+            </a:r>
+            <a:r>
+              <a:rPr lang="de-CH" dirty="0" smtClean="0"/>
+              <a:t>Projekt</a:t>
+            </a:r>
+            <a:endParaRPr lang="de-CH" dirty="0"/>
+          </a:p>
+        </p:txBody>
+      </p:sp>
+      <p:sp>
+        <p:nvSpPr>
+          <p:cNvPr id="3" name="Inhaltsplatzhalter 2"/>
+          <p:cNvSpPr>
+            <a:spLocks noGrp="1"/>
+          </p:cNvSpPr>
+          <p:nvPr>
+            <p:ph sz="quarter" idx="1"/>
+          </p:nvPr>
+        </p:nvSpPr>
+        <p:spPr/>
+        <p:txBody>
+          <a:bodyPr/>
+          <a:lstStyle/>
+          <a:p>
+            <a:r>
+              <a:rPr lang="de-CH" sz="2300" dirty="0" smtClean="0"/>
+              <a:t>Allgemein</a:t>
+            </a:r>
+          </a:p>
+          <a:p>
+            <a:pPr lvl="1"/>
+            <a:r>
+              <a:rPr lang="de-CH" sz="2000" dirty="0" smtClean="0"/>
+              <a:t>Nächste Phase: E2</a:t>
+            </a:r>
+          </a:p>
+          <a:p>
+            <a:pPr lvl="1"/>
+            <a:r>
+              <a:rPr lang="de-CH" sz="2000" dirty="0" smtClean="0"/>
+              <a:t>Guter Implementationsstand</a:t>
+            </a:r>
+          </a:p>
+          <a:p>
+            <a:pPr lvl="1"/>
+            <a:r>
+              <a:rPr lang="de-CH" sz="2000" dirty="0" smtClean="0"/>
+              <a:t>Vorgezogene Implementationspakete</a:t>
+            </a:r>
+          </a:p>
+          <a:p>
+            <a:r>
+              <a:rPr lang="de-CH" sz="2300" dirty="0" err="1" smtClean="0"/>
+              <a:t>LibGDX</a:t>
+            </a:r>
+            <a:endParaRPr lang="de-CH" sz="3100" dirty="0" smtClean="0"/>
+          </a:p>
+          <a:p>
+            <a:pPr lvl="1"/>
+            <a:r>
+              <a:rPr lang="de-CH" sz="2000" dirty="0" smtClean="0"/>
+              <a:t>Einarbeitung und Test erfolgreich</a:t>
+            </a:r>
+          </a:p>
+          <a:p>
+            <a:pPr lvl="2"/>
+            <a:r>
+              <a:rPr lang="de-CH" sz="1700" dirty="0" smtClean="0"/>
+              <a:t>Menu</a:t>
+            </a:r>
+            <a:r>
+              <a:rPr lang="de-CH" sz="1700" dirty="0"/>
+              <a:t>, Kollisionen, </a:t>
+            </a:r>
+            <a:r>
+              <a:rPr lang="de-CH" sz="1700" dirty="0" smtClean="0"/>
+              <a:t>Performance</a:t>
+            </a:r>
+            <a:endParaRPr lang="de-CH" dirty="0"/>
+          </a:p>
+          <a:p>
+            <a:r>
+              <a:rPr lang="de-CH" sz="2300" dirty="0" smtClean="0"/>
+              <a:t>Erster </a:t>
+            </a:r>
+            <a:r>
+              <a:rPr lang="de-CH" sz="2300" dirty="0"/>
+              <a:t>Prototyp</a:t>
+            </a:r>
+            <a:endParaRPr lang="de-CH" sz="3100" dirty="0"/>
+          </a:p>
+          <a:p>
+            <a:pPr lvl="1"/>
+            <a:r>
+              <a:rPr lang="de-CH" sz="2000" dirty="0" smtClean="0"/>
+              <a:t>Basis User Interface</a:t>
+            </a:r>
+            <a:endParaRPr lang="de-CH" sz="2000" dirty="0" smtClean="0"/>
+          </a:p>
+          <a:p>
+            <a:pPr lvl="1"/>
+            <a:r>
+              <a:rPr lang="de-CH" sz="2000" dirty="0" smtClean="0"/>
+              <a:t>Hauptschiff </a:t>
+            </a:r>
+            <a:r>
+              <a:rPr lang="de-CH" sz="2000" dirty="0"/>
+              <a:t>steuerbar</a:t>
+            </a:r>
+            <a:endParaRPr lang="de-CH" dirty="0"/>
+          </a:p>
+          <a:p>
+            <a:pPr lvl="1"/>
+            <a:r>
+              <a:rPr lang="de-CH" sz="2000" dirty="0"/>
+              <a:t>Erster Gegner (Gruppe) vorhanden</a:t>
+            </a:r>
+            <a:endParaRPr lang="de-CH" dirty="0"/>
+          </a:p>
+          <a:p>
+            <a:endParaRPr lang="de-CH" dirty="0"/>
+          </a:p>
+        </p:txBody>
+      </p:sp>
+    </p:spTree>
+    <p:extLst>
+      <p:ext uri="{BB962C8B-B14F-4D97-AF65-F5344CB8AC3E}">
+        <p14:creationId xmlns:p14="http://schemas.microsoft.com/office/powerpoint/2010/main" val="1202080954"/>
+      </p:ext>
+    </p:extLst>
+  </p:cSld>
+  <p:clrMapOvr>
+    <a:masterClrMapping/>
+  </p:clrMapOvr>
+  <mc:AlternateContent xmlns:mc="http://schemas.openxmlformats.org/markup-compatibility/2006">
+    <mc:Choice xmlns:p14="http://schemas.microsoft.com/office/powerpoint/2010/main" Requires="p14">
+      <p:transition spd="slow">
+        <p14:reveal/>
+      </p:transition>
+    </mc:Choice>
+    <mc:Fallback>
+      <p:transition spd="slow">
+        <p:fade/>
+      </p:transition>
+    </mc:Fallback>
+  </mc:AlternateContent>
+  <p:timing>
+    <p:tnLst>
+      <p:par>
+        <p:cTn id="1" dur="indefinite" restart="never" nodeType="tmRoot"/>
+      </p:par>
+    </p:tnLst>
+  </p:timing>
+</p:sld>
+</file>
+
+<file path=ppt/slides/slide4.xml><?xml version="1.0" encoding="utf-8"?>
+<p:sld xmlns:a="http://schemas.openxmlformats.org/drawingml/2006/main" xmlns:r="http://schemas.openxmlformats.org/officeDocument/2006/relationships" xmlns:p="http://schemas.openxmlformats.org/presentationml/2006/main">
+  <p:cSld>
+    <p:spTree>
+      <p:nvGrpSpPr>
+        <p:cNvPr id="1" name=""/>
+        <p:cNvGrpSpPr/>
+        <p:nvPr/>
+      </p:nvGrpSpPr>
+      <p:grpSpPr>
+        <a:xfrm>
+          <a:off x="0" y="0"/>
+          <a:ext cx="0" cy="0"/>
+          <a:chOff x="0" y="0"/>
+          <a:chExt cx="0" cy="0"/>
+        </a:xfrm>
+      </p:grpSpPr>
+      <p:sp>
+        <p:nvSpPr>
+          <p:cNvPr id="2" name="Titel 1"/>
+          <p:cNvSpPr>
+            <a:spLocks noGrp="1"/>
+          </p:cNvSpPr>
+          <p:nvPr>
+            <p:ph type="title"/>
+          </p:nvPr>
+        </p:nvSpPr>
+        <p:spPr/>
+        <p:txBody>
+          <a:bodyPr/>
+          <a:lstStyle/>
+          <a:p>
+            <a:r>
+              <a:rPr lang="de-CH" dirty="0" smtClean="0"/>
+              <a:t>Konkretere </a:t>
+            </a:r>
+            <a:r>
+              <a:rPr lang="de-CH" dirty="0" smtClean="0"/>
+              <a:t>Ideen</a:t>
+            </a:r>
+            <a:endParaRPr lang="de-CH" dirty="0"/>
+          </a:p>
+        </p:txBody>
+      </p:sp>
+      <p:sp>
+        <p:nvSpPr>
+          <p:cNvPr id="3" name="Inhaltsplatzhalter 2"/>
+          <p:cNvSpPr>
+            <a:spLocks noGrp="1"/>
+          </p:cNvSpPr>
+          <p:nvPr>
+            <p:ph sz="quarter" idx="1"/>
+          </p:nvPr>
+        </p:nvSpPr>
+        <p:spPr/>
+        <p:txBody>
+          <a:bodyPr/>
+          <a:lstStyle/>
+          <a:p>
+            <a:r>
+              <a:rPr lang="de-CH" sz="2300" dirty="0" smtClean="0"/>
+              <a:t>Gegnerbewegungsmuster</a:t>
+            </a:r>
+          </a:p>
+          <a:p>
+            <a:r>
+              <a:rPr lang="de-CH" sz="2300" dirty="0" smtClean="0"/>
+              <a:t>Planeten im Hintergrund</a:t>
+            </a:r>
+          </a:p>
+          <a:p>
+            <a:r>
+              <a:rPr lang="de-CH" sz="2300" dirty="0" smtClean="0"/>
+              <a:t>Überhitzung der Waffensysteme</a:t>
+            </a:r>
+          </a:p>
+          <a:p>
+            <a:r>
+              <a:rPr lang="de-CH" sz="2300" dirty="0" smtClean="0"/>
+              <a:t>Gam</a:t>
+            </a:r>
+            <a:r>
+              <a:rPr lang="de-CH" sz="2300" dirty="0" smtClean="0"/>
+              <a:t>efluss</a:t>
+            </a:r>
+            <a:endParaRPr lang="de-CH" sz="3100" dirty="0"/>
+          </a:p>
+        </p:txBody>
+      </p:sp>
+    </p:spTree>
+    <p:extLst>
+      <p:ext uri="{BB962C8B-B14F-4D97-AF65-F5344CB8AC3E}">
+        <p14:creationId xmlns:p14="http://schemas.microsoft.com/office/powerpoint/2010/main" val="1253552773"/>
+      </p:ext>
+    </p:extLst>
+  </p:cSld>
+  <p:clrMapOvr>
+    <a:masterClrMapping/>
+  </p:clrMapOvr>
+  <mc:AlternateContent xmlns:mc="http://schemas.openxmlformats.org/markup-compatibility/2006">
+    <mc:Choice xmlns:p14="http://schemas.microsoft.com/office/powerpoint/2010/main" Requires="p14">
+      <p:transition spd="slow">
+        <p14:reveal/>
+      </p:transition>
+    </mc:Choice>
+    <mc:Fallback>
+      <p:transition spd="slow">
+        <p:fade/>
+      </p:transition>
+    </mc:Fallback>
+  </mc:AlternateContent>
+  <p:timing>
+    <p:tnLst>
+      <p:par>
+        <p:cTn id="1" dur="indefinite" restart="never" nodeType="tmRoot"/>
+      </p:par>
+    </p:tnLst>
+  </p:timing>
+</p:sld>
+</file>
+
+<file path=ppt/slides/slide5.xml><?xml version="1.0" encoding="utf-8"?>
+<p:sld xmlns:a="http://schemas.openxmlformats.org/drawingml/2006/main" xmlns:r="http://schemas.openxmlformats.org/officeDocument/2006/relationships" xmlns:p="http://schemas.openxmlformats.org/presentationml/2006/main">
+  <p:cSld>
+    <p:spTree>
+      <p:nvGrpSpPr>
+        <p:cNvPr id="1" name=""/>
+        <p:cNvGrpSpPr/>
+        <p:nvPr/>
+      </p:nvGrpSpPr>
+      <p:grpSpPr>
+        <a:xfrm>
+          <a:off x="0" y="0"/>
+          <a:ext cx="0" cy="0"/>
+          <a:chOff x="0" y="0"/>
+          <a:chExt cx="0" cy="0"/>
+        </a:xfrm>
+      </p:grpSpPr>
+      <p:sp>
+        <p:nvSpPr>
+          <p:cNvPr id="2" name="Titel 1"/>
+          <p:cNvSpPr>
+            <a:spLocks noGrp="1"/>
+          </p:cNvSpPr>
+          <p:nvPr>
+            <p:ph type="title"/>
+          </p:nvPr>
+        </p:nvSpPr>
+        <p:spPr/>
+        <p:txBody>
+          <a:bodyPr/>
+          <a:lstStyle/>
+          <a:p>
+            <a:r>
+              <a:rPr lang="de-CH" dirty="0" smtClean="0"/>
+              <a:t>Domänenmodell</a:t>
             </a:r>
             <a:endParaRPr lang="de-CH" dirty="0"/>
           </a:p>
@@ -5372,7 +6093,7 @@
       </p:sp>
       <p:pic>
         <p:nvPicPr>
-          <p:cNvPr id="1027" name="Picture 3"/>
+          <p:cNvPr id="3" name="Picture 2"/>
           <p:cNvPicPr>
             <a:picLocks noChangeAspect="1" noChangeArrowheads="1"/>
           </p:cNvPicPr>
@@ -5393,8 +6114,8 @@
         </p:blipFill>
         <p:spPr bwMode="auto">
           <a:xfrm>
-            <a:off x="2266181" y="2681074"/>
-            <a:ext cx="4611638" cy="2548126"/>
+            <a:off x="2148682" y="1766664"/>
+            <a:ext cx="4846637" cy="4038600"/>
           </a:xfrm>
           <a:prstGeom prst="rect">
             <a:avLst/>
@@ -5437,17 +6158,36 @@
     </p:spTree>
     <p:extLst>
       <p:ext uri="{BB962C8B-B14F-4D97-AF65-F5344CB8AC3E}">
-        <p14:creationId xmlns:p14="http://schemas.microsoft.com/office/powerpoint/2010/main" val="3324484687"/>
+        <p14:creationId xmlns:p14="http://schemas.microsoft.com/office/powerpoint/2010/main" val="2876740877"/>
       </p:ext>
     </p:extLst>
   </p:cSld>
   <p:clrMapOvr>
     <a:masterClrMapping/>
   </p:clrMapOvr>
+  <mc:AlternateContent xmlns:mc="http://schemas.openxmlformats.org/markup-compatibility/2006">
+    <mc:Choice xmlns:p14="http://schemas.microsoft.com/office/powerpoint/2010/main" Requires="p14">
+      <p:transition spd="slow">
+        <p14:reveal/>
+      </p:transition>
+    </mc:Choice>
+    <mc:Fallback>
+      <p:transition spd="slow">
+        <p:fade/>
+      </p:transition>
+    </mc:Fallback>
+  </mc:AlternateContent>
+  <p:timing>
+    <p:tnLst>
+      <p:par>
+        <p:cTn id="1" dur="indefinite" restart="never" nodeType="tmRoot"/>
+      </p:par>
+    </p:tnLst>
+  </p:timing>
 </p:sld>
 </file>
 
-<file path=ppt/slides/slide11.xml><?xml version="1.0" encoding="utf-8"?>
+<file path=ppt/slides/slide6.xml><?xml version="1.0" encoding="utf-8"?>
 <p:sld xmlns:a="http://schemas.openxmlformats.org/drawingml/2006/main" xmlns:r="http://schemas.openxmlformats.org/officeDocument/2006/relationships" xmlns:p="http://schemas.openxmlformats.org/presentationml/2006/main">
   <p:cSld>
     <p:spTree>
@@ -5466,12 +6206,12 @@
       </p:grpSpPr>
       <p:sp>
         <p:nvSpPr>
-          <p:cNvPr id="11" name="Titel 10"/>
-          <p:cNvSpPr>
-            <a:spLocks noGrp="1"/>
-          </p:cNvSpPr>
-          <p:nvPr>
-            <p:ph type="ctrTitle"/>
+          <p:cNvPr id="2" name="Titel 1"/>
+          <p:cNvSpPr>
+            <a:spLocks noGrp="1"/>
+          </p:cNvSpPr>
+          <p:nvPr>
+            <p:ph type="title"/>
           </p:nvPr>
         </p:nvSpPr>
         <p:spPr/>
@@ -5481,7 +6221,19 @@
           <a:p>
             <a:r>
               <a:rPr lang="de-CH" dirty="0" smtClean="0"/>
-              <a:t>Vielen Dank</a:t>
+              <a:t>Haupt </a:t>
+            </a:r>
+            <a:r>
+              <a:rPr lang="de-CH" dirty="0" err="1" smtClean="0"/>
+              <a:t>Use</a:t>
+            </a:r>
+            <a:r>
+              <a:rPr lang="de-CH" dirty="0" smtClean="0"/>
+              <a:t> </a:t>
+            </a:r>
+            <a:r>
+              <a:rPr lang="de-CH" dirty="0" smtClean="0"/>
+              <a:t>Cases</a:t>
             </a:r>
             <a:endParaRPr lang="de-CH" dirty="0"/>
           </a:p>
@@ -5489,12 +6241,12 @@
       </p:sp>
       <p:sp>
         <p:nvSpPr>
-          <p:cNvPr id="12" name="Untertitel 11"/>
-          <p:cNvSpPr>
-            <a:spLocks noGrp="1"/>
-          </p:cNvSpPr>
-          <p:nvPr>
-            <p:ph type="subTitle" idx="1"/>
+          <p:cNvPr id="3" name="Inhaltsplatzhalter 2"/>
+          <p:cNvSpPr>
+            <a:spLocks noGrp="1"/>
+          </p:cNvSpPr>
+          <p:nvPr>
+            <p:ph sz="quarter" idx="1"/>
           </p:nvPr>
         </p:nvSpPr>
         <p:spPr/>
@@ -5503,8 +6255,8 @@
           <a:lstStyle/>
           <a:p>
             <a:r>
-              <a:rPr lang="de-CH" dirty="0" smtClean="0"/>
-              <a:t>Für die Aufmerksamkeit</a:t>
+              <a:rPr lang="de-CH" dirty="0" err="1" smtClean="0"/>
+              <a:t>Todo</a:t>
             </a:r>
             <a:endParaRPr lang="de-CH" dirty="0"/>
           </a:p>
@@ -5513,17 +6265,36 @@
     </p:spTree>
     <p:extLst>
       <p:ext uri="{BB962C8B-B14F-4D97-AF65-F5344CB8AC3E}">
-        <p14:creationId xmlns:p14="http://schemas.microsoft.com/office/powerpoint/2010/main" val="682285084"/>
+        <p14:creationId xmlns:p14="http://schemas.microsoft.com/office/powerpoint/2010/main" val="3664799231"/>
       </p:ext>
     </p:extLst>
   </p:cSld>
   <p:clrMapOvr>
     <a:masterClrMapping/>
   </p:clrMapOvr>
+  <mc:AlternateContent xmlns:mc="http://schemas.openxmlformats.org/markup-compatibility/2006">
+    <mc:Choice xmlns:p14="http://schemas.microsoft.com/office/powerpoint/2010/main" Requires="p14">
+      <p:transition spd="slow">
+        <p14:reveal/>
+      </p:transition>
+    </mc:Choice>
+    <mc:Fallback>
+      <p:transition spd="slow">
+        <p:fade/>
+      </p:transition>
+    </mc:Fallback>
+  </mc:AlternateContent>
+  <p:timing>
+    <p:tnLst>
+      <p:par>
+        <p:cTn id="1" dur="indefinite" restart="never" nodeType="tmRoot"/>
+      </p:par>
+    </p:tnLst>
+  </p:timing>
 </p:sld>
 </file>
 
-<file path=ppt/slides/slide2.xml><?xml version="1.0" encoding="utf-8"?>
+<file path=ppt/slides/slide7.xml><?xml version="1.0" encoding="utf-8"?>
 <p:sld xmlns:a="http://schemas.openxmlformats.org/drawingml/2006/main" xmlns:r="http://schemas.openxmlformats.org/officeDocument/2006/relationships" xmlns:p="http://schemas.openxmlformats.org/presentationml/2006/main">
   <p:cSld>
     <p:spTree>
@@ -5557,7 +6328,7 @@
           <a:p>
             <a:r>
               <a:rPr lang="de-CH" dirty="0" smtClean="0"/>
-              <a:t>Agenda</a:t>
+              <a:t>Technisches</a:t>
             </a:r>
             <a:endParaRPr lang="de-CH" dirty="0"/>
           </a:p>
@@ -5575,94 +6346,105 @@
         </p:nvSpPr>
         <p:spPr/>
         <p:txBody>
-          <a:bodyPr>
-            <a:normAutofit/>
-          </a:bodyPr>
-          <a:lstStyle/>
-          <a:p>
-            <a:r>
-              <a:rPr lang="de-CH" dirty="0"/>
-              <a:t>Stand </a:t>
-            </a:r>
-            <a:r>
-              <a:rPr lang="de-CH" dirty="0" smtClean="0"/>
-              <a:t>Projekt</a:t>
-            </a:r>
-          </a:p>
-          <a:p>
-            <a:r>
-              <a:rPr lang="de-CH" dirty="0" smtClean="0"/>
-              <a:t>Stand </a:t>
-            </a:r>
-            <a:r>
-              <a:rPr lang="de-CH" dirty="0" smtClean="0"/>
-              <a:t>Implementation</a:t>
-            </a:r>
-          </a:p>
-          <a:p>
-            <a:r>
-              <a:rPr lang="de-CH" dirty="0" smtClean="0"/>
-              <a:t>Domänen-Modell</a:t>
+          <a:bodyPr/>
+          <a:lstStyle/>
+          <a:p>
+            <a:r>
+              <a:rPr lang="de-CH" sz="2300" dirty="0" err="1"/>
+              <a:t>LibGdx</a:t>
+            </a:r>
+            <a:endParaRPr lang="de-CH" sz="3100" dirty="0"/>
+          </a:p>
+          <a:p>
+            <a:pPr lvl="1"/>
+            <a:r>
+              <a:rPr lang="de-CH" sz="2000" dirty="0" smtClean="0"/>
+              <a:t>Texturen </a:t>
+            </a:r>
+            <a:r>
+              <a:rPr lang="de-CH" sz="2000" dirty="0"/>
+              <a:t>und </a:t>
+            </a:r>
+            <a:r>
+              <a:rPr lang="de-CH" sz="2000" dirty="0" smtClean="0"/>
+              <a:t>Vektoren</a:t>
             </a:r>
             <a:endParaRPr lang="de-CH" dirty="0"/>
           </a:p>
           <a:p>
-            <a:r>
-              <a:rPr lang="de-CH" dirty="0" smtClean="0"/>
-              <a:t>Konkretere / Neue Ideen</a:t>
-            </a:r>
-            <a:endParaRPr lang="de-CH" dirty="0" smtClean="0"/>
-          </a:p>
-          <a:p>
-            <a:r>
-              <a:rPr lang="de-CH" dirty="0" smtClean="0"/>
-              <a:t>Spezielle </a:t>
-            </a:r>
-            <a:r>
-              <a:rPr lang="de-CH" dirty="0" err="1"/>
-              <a:t>Use</a:t>
-            </a:r>
-            <a:r>
-              <a:rPr lang="de-CH" dirty="0"/>
-              <a:t> Cases</a:t>
-            </a:r>
-          </a:p>
-          <a:p>
-            <a:r>
-              <a:rPr lang="de-CH" dirty="0" smtClean="0"/>
-              <a:t>Technisches</a:t>
+            <a:pPr lvl="1"/>
+            <a:r>
+              <a:rPr lang="de-CH" sz="2000" dirty="0"/>
+              <a:t>Sound Manager</a:t>
             </a:r>
             <a:endParaRPr lang="de-CH" dirty="0"/>
           </a:p>
           <a:p>
             <a:r>
-              <a:rPr lang="de-CH" dirty="0" smtClean="0"/>
-              <a:t>Demo Prototyp</a:t>
+              <a:rPr lang="de-CH" sz="2300" dirty="0"/>
+              <a:t>Architektur</a:t>
+            </a:r>
+            <a:endParaRPr lang="de-CH" sz="3100" dirty="0"/>
+          </a:p>
+          <a:p>
+            <a:pPr lvl="1"/>
+            <a:r>
+              <a:rPr lang="de-CH" sz="2000" dirty="0"/>
+              <a:t>MVC</a:t>
             </a:r>
             <a:endParaRPr lang="de-CH" dirty="0"/>
           </a:p>
           <a:p>
-            <a:r>
-              <a:rPr lang="de-CH" dirty="0"/>
-              <a:t>Fragen</a:t>
-            </a:r>
+            <a:pPr lvl="1"/>
+            <a:r>
+              <a:rPr lang="de-CH" sz="2000" dirty="0"/>
+              <a:t>Screen</a:t>
+            </a:r>
+            <a:endParaRPr lang="de-CH" dirty="0"/>
+          </a:p>
+          <a:p>
+            <a:pPr lvl="1"/>
+            <a:r>
+              <a:rPr lang="de-CH" sz="2000" dirty="0" err="1"/>
+              <a:t>Renderer</a:t>
+            </a:r>
+            <a:endParaRPr lang="de-CH" dirty="0"/>
           </a:p>
         </p:txBody>
       </p:sp>
     </p:spTree>
     <p:extLst>
       <p:ext uri="{BB962C8B-B14F-4D97-AF65-F5344CB8AC3E}">
-        <p14:creationId xmlns:p14="http://schemas.microsoft.com/office/powerpoint/2010/main" val="3438924387"/>
+        <p14:creationId xmlns:p14="http://schemas.microsoft.com/office/powerpoint/2010/main" val="3480487774"/>
       </p:ext>
     </p:extLst>
   </p:cSld>
   <p:clrMapOvr>
     <a:masterClrMapping/>
   </p:clrMapOvr>
+  <mc:AlternateContent xmlns:mc="http://schemas.openxmlformats.org/markup-compatibility/2006">
+    <mc:Choice xmlns:p14="http://schemas.microsoft.com/office/powerpoint/2010/main" Requires="p14">
+      <p:transition spd="slow">
+        <p14:reveal/>
+      </p:transition>
+    </mc:Choice>
+    <mc:Fallback>
+      <p:transition spd="slow">
+        <p:fade/>
+      </p:transition>
+    </mc:Fallback>
+  </mc:AlternateContent>
+  <p:timing>
+    <p:tnLst>
+      <p:par>
+        <p:cTn id="1" dur="indefinite" restart="never" nodeType="tmRoot"/>
+      </p:par>
+    </p:tnLst>
+  </p:timing>
 </p:sld>
 </file>
 
-<file path=ppt/slides/slide3.xml><?xml version="1.0" encoding="utf-8"?>
+<file path=ppt/slides/slide8.xml><?xml version="1.0" encoding="utf-8"?>
 <p:sld xmlns:a="http://schemas.openxmlformats.org/drawingml/2006/main" xmlns:r="http://schemas.openxmlformats.org/officeDocument/2006/relationships" xmlns:p="http://schemas.openxmlformats.org/presentationml/2006/main">
   <p:cSld>
     <p:spTree>
@@ -5681,7 +6463,7 @@
       </p:grpSpPr>
       <p:sp>
         <p:nvSpPr>
-          <p:cNvPr id="2" name="Titel 1"/>
+          <p:cNvPr id="4" name="Titel 3"/>
           <p:cNvSpPr>
             <a:spLocks noGrp="1"/>
           </p:cNvSpPr>
@@ -5696,208 +6478,7 @@
           <a:p>
             <a:r>
               <a:rPr lang="de-CH" dirty="0" smtClean="0"/>
-              <a:t>Stand Projekt</a:t>
-            </a:r>
-            <a:endParaRPr lang="de-CH" dirty="0"/>
-          </a:p>
-        </p:txBody>
-      </p:sp>
-      <p:sp>
-        <p:nvSpPr>
-          <p:cNvPr id="3" name="Inhaltsplatzhalter 2"/>
-          <p:cNvSpPr>
-            <a:spLocks noGrp="1"/>
-          </p:cNvSpPr>
-          <p:nvPr>
-            <p:ph sz="quarter" idx="1"/>
-          </p:nvPr>
-        </p:nvSpPr>
-        <p:spPr/>
-        <p:txBody>
-          <a:bodyPr/>
-          <a:lstStyle/>
-          <a:p>
-            <a:r>
-              <a:rPr lang="de-CH" dirty="0" err="1" smtClean="0"/>
-              <a:t>Todo</a:t>
-            </a:r>
-            <a:r>
-              <a:rPr lang="de-CH" dirty="0" smtClean="0"/>
-              <a:t> </a:t>
-            </a:r>
-            <a:r>
-              <a:rPr lang="de-CH" dirty="0" err="1" smtClean="0"/>
-              <a:t>Magelan</a:t>
-            </a:r>
-            <a:endParaRPr lang="de-CH" dirty="0" smtClean="0"/>
-          </a:p>
-          <a:p>
-            <a:endParaRPr lang="de-CH" dirty="0"/>
-          </a:p>
-        </p:txBody>
-      </p:sp>
-    </p:spTree>
-    <p:extLst>
-      <p:ext uri="{BB962C8B-B14F-4D97-AF65-F5344CB8AC3E}">
-        <p14:creationId xmlns:p14="http://schemas.microsoft.com/office/powerpoint/2010/main" val="2237911985"/>
-      </p:ext>
-    </p:extLst>
-  </p:cSld>
-  <p:clrMapOvr>
-    <a:masterClrMapping/>
-  </p:clrMapOvr>
-</p:sld>
-</file>
-
-<file path=ppt/slides/slide4.xml><?xml version="1.0" encoding="utf-8"?>
-<p:sld xmlns:a="http://schemas.openxmlformats.org/drawingml/2006/main" xmlns:r="http://schemas.openxmlformats.org/officeDocument/2006/relationships" xmlns:p="http://schemas.openxmlformats.org/presentationml/2006/main">
-  <p:cSld>
-    <p:spTree>
-      <p:nvGrpSpPr>
-        <p:cNvPr id="1" name=""/>
-        <p:cNvGrpSpPr/>
-        <p:nvPr/>
-      </p:nvGrpSpPr>
-      <p:grpSpPr>
-        <a:xfrm>
-          <a:off x="0" y="0"/>
-          <a:ext cx="0" cy="0"/>
-          <a:chOff x="0" y="0"/>
-          <a:chExt cx="0" cy="0"/>
-        </a:xfrm>
-      </p:grpSpPr>
-      <p:sp>
-        <p:nvSpPr>
-          <p:cNvPr id="2" name="Titel 1"/>
-          <p:cNvSpPr>
-            <a:spLocks noGrp="1"/>
-          </p:cNvSpPr>
-          <p:nvPr>
-            <p:ph type="title"/>
-          </p:nvPr>
-        </p:nvSpPr>
-        <p:spPr/>
-        <p:txBody>
-          <a:bodyPr/>
-          <a:lstStyle/>
-          <a:p>
-            <a:r>
-              <a:rPr lang="de-CH" dirty="0" smtClean="0"/>
-              <a:t>Stand Implementation</a:t>
-            </a:r>
-            <a:endParaRPr lang="de-CH" dirty="0"/>
-          </a:p>
-        </p:txBody>
-      </p:sp>
-      <p:sp>
-        <p:nvSpPr>
-          <p:cNvPr id="3" name="Inhaltsplatzhalter 2"/>
-          <p:cNvSpPr>
-            <a:spLocks noGrp="1"/>
-          </p:cNvSpPr>
-          <p:nvPr>
-            <p:ph sz="quarter" idx="1"/>
-          </p:nvPr>
-        </p:nvSpPr>
-        <p:spPr/>
-        <p:txBody>
-          <a:bodyPr/>
-          <a:lstStyle/>
-          <a:p>
-            <a:r>
-              <a:rPr lang="de-CH" sz="2300" dirty="0" err="1"/>
-              <a:t>LibGDX</a:t>
-            </a:r>
-            <a:endParaRPr lang="de-CH" sz="3100" dirty="0"/>
-          </a:p>
-          <a:p>
-            <a:pPr lvl="1"/>
-            <a:r>
-              <a:rPr lang="de-CH" sz="2000" dirty="0"/>
-              <a:t>Erste Tests positiv (Menu, Kollisionen, Performance)</a:t>
-            </a:r>
-            <a:endParaRPr lang="de-CH" dirty="0"/>
-          </a:p>
-          <a:p>
-            <a:r>
-              <a:rPr lang="de-CH" sz="2300" dirty="0" smtClean="0"/>
-              <a:t>Erster </a:t>
-            </a:r>
-            <a:r>
-              <a:rPr lang="de-CH" sz="2300" dirty="0"/>
-              <a:t>Prototyp</a:t>
-            </a:r>
-            <a:endParaRPr lang="de-CH" sz="3100" dirty="0"/>
-          </a:p>
-          <a:p>
-            <a:pPr lvl="1"/>
-            <a:r>
-              <a:rPr lang="de-CH" sz="2000" dirty="0"/>
-              <a:t>Hauptschiff steuerbar</a:t>
-            </a:r>
-            <a:endParaRPr lang="de-CH" dirty="0"/>
-          </a:p>
-          <a:p>
-            <a:pPr lvl="1"/>
-            <a:r>
-              <a:rPr lang="de-CH" sz="2000" dirty="0"/>
-              <a:t>Erster Gegner (Gruppe) vorhanden</a:t>
-            </a:r>
-            <a:endParaRPr lang="de-CH" dirty="0"/>
-          </a:p>
-          <a:p>
-            <a:endParaRPr lang="de-CH" dirty="0"/>
-          </a:p>
-        </p:txBody>
-      </p:sp>
-    </p:spTree>
-    <p:extLst>
-      <p:ext uri="{BB962C8B-B14F-4D97-AF65-F5344CB8AC3E}">
-        <p14:creationId xmlns:p14="http://schemas.microsoft.com/office/powerpoint/2010/main" val="1202080954"/>
-      </p:ext>
-    </p:extLst>
-  </p:cSld>
-  <p:clrMapOvr>
-    <a:masterClrMapping/>
-  </p:clrMapOvr>
-</p:sld>
-</file>
-
-<file path=ppt/slides/slide5.xml><?xml version="1.0" encoding="utf-8"?>
-<p:sld xmlns:a="http://schemas.openxmlformats.org/drawingml/2006/main" xmlns:r="http://schemas.openxmlformats.org/officeDocument/2006/relationships" xmlns:p="http://schemas.openxmlformats.org/presentationml/2006/main">
-  <p:cSld>
-    <p:spTree>
-      <p:nvGrpSpPr>
-        <p:cNvPr id="1" name=""/>
-        <p:cNvGrpSpPr/>
-        <p:nvPr/>
-      </p:nvGrpSpPr>
-      <p:grpSpPr>
-        <a:xfrm>
-          <a:off x="0" y="0"/>
-          <a:ext cx="0" cy="0"/>
-          <a:chOff x="0" y="0"/>
-          <a:chExt cx="0" cy="0"/>
-        </a:xfrm>
-      </p:grpSpPr>
-      <p:sp>
-        <p:nvSpPr>
-          <p:cNvPr id="2" name="Titel 1"/>
-          <p:cNvSpPr>
-            <a:spLocks noGrp="1"/>
-          </p:cNvSpPr>
-          <p:nvPr>
-            <p:ph type="title"/>
-          </p:nvPr>
-        </p:nvSpPr>
-        <p:spPr/>
-        <p:txBody>
-          <a:bodyPr/>
-          <a:lstStyle/>
-          <a:p>
-            <a:r>
-              <a:rPr lang="de-CH" dirty="0" smtClean="0"/>
-              <a:t>Domänenmodell</a:t>
+              <a:t>Demo Prototyp</a:t>
             </a:r>
             <a:endParaRPr lang="de-CH" dirty="0"/>
           </a:p>
@@ -5905,7 +6486,7 @@
       </p:sp>
       <p:pic>
         <p:nvPicPr>
-          <p:cNvPr id="3" name="Picture 2"/>
+          <p:cNvPr id="3074" name="Picture 2" descr="http://www.forkparty.com/wp-content/uploads/2011/09/casual-gaming.jpg"/>
           <p:cNvPicPr>
             <a:picLocks noChangeAspect="1" noChangeArrowheads="1"/>
           </p:cNvPicPr>
@@ -5926,8 +6507,121 @@
         </p:blipFill>
         <p:spPr bwMode="auto">
           <a:xfrm>
-            <a:off x="2148682" y="1766664"/>
-            <a:ext cx="4846637" cy="4038600"/>
+            <a:off x="2333625" y="2276872"/>
+            <a:ext cx="4476750" cy="3228975"/>
+          </a:xfrm>
+          <a:prstGeom prst="rect">
+            <a:avLst/>
+          </a:prstGeom>
+          <a:noFill/>
+          <a:extLst>
+            <a:ext uri="{909E8E84-426E-40DD-AFC4-6F175D3DCCD1}">
+              <a14:hiddenFill xmlns:a14="http://schemas.microsoft.com/office/drawing/2010/main">
+                <a:solidFill>
+                  <a:srgbClr val="FFFFFF"/>
+                </a:solidFill>
+              </a14:hiddenFill>
+            </a:ext>
+          </a:extLst>
+        </p:spPr>
+      </p:pic>
+    </p:spTree>
+    <p:extLst>
+      <p:ext uri="{BB962C8B-B14F-4D97-AF65-F5344CB8AC3E}">
+        <p14:creationId xmlns:p14="http://schemas.microsoft.com/office/powerpoint/2010/main" val="3567899889"/>
+      </p:ext>
+    </p:extLst>
+  </p:cSld>
+  <p:clrMapOvr>
+    <a:masterClrMapping/>
+  </p:clrMapOvr>
+  <mc:AlternateContent xmlns:mc="http://schemas.openxmlformats.org/markup-compatibility/2006">
+    <mc:Choice xmlns:p14="http://schemas.microsoft.com/office/powerpoint/2010/main" Requires="p14">
+      <p:transition spd="slow">
+        <p14:reveal/>
+      </p:transition>
+    </mc:Choice>
+    <mc:Fallback>
+      <p:transition spd="slow">
+        <p:fade/>
+      </p:transition>
+    </mc:Fallback>
+  </mc:AlternateContent>
+  <p:timing>
+    <p:tnLst>
+      <p:par>
+        <p:cTn id="1" dur="indefinite" restart="never" nodeType="tmRoot"/>
+      </p:par>
+    </p:tnLst>
+  </p:timing>
+</p:sld>
+</file>
+
+<file path=ppt/slides/slide9.xml><?xml version="1.0" encoding="utf-8"?>
+<p:sld xmlns:a="http://schemas.openxmlformats.org/drawingml/2006/main" xmlns:r="http://schemas.openxmlformats.org/officeDocument/2006/relationships" xmlns:p="http://schemas.openxmlformats.org/presentationml/2006/main">
+  <p:cSld>
+    <p:spTree>
+      <p:nvGrpSpPr>
+        <p:cNvPr id="1" name=""/>
+        <p:cNvGrpSpPr/>
+        <p:nvPr/>
+      </p:nvGrpSpPr>
+      <p:grpSpPr>
+        <a:xfrm>
+          <a:off x="0" y="0"/>
+          <a:ext cx="0" cy="0"/>
+          <a:chOff x="0" y="0"/>
+          <a:chExt cx="0" cy="0"/>
+        </a:xfrm>
+      </p:grpSpPr>
+      <p:sp>
+        <p:nvSpPr>
+          <p:cNvPr id="7" name="Titel 6"/>
+          <p:cNvSpPr>
+            <a:spLocks noGrp="1"/>
+          </p:cNvSpPr>
+          <p:nvPr>
+            <p:ph type="title"/>
+          </p:nvPr>
+        </p:nvSpPr>
+        <p:spPr/>
+        <p:txBody>
+          <a:bodyPr/>
+          <a:lstStyle/>
+          <a:p>
+            <a:r>
+              <a:rPr lang="de-CH" dirty="0" smtClean="0"/>
+              <a:t>Fragen</a:t>
+            </a:r>
+            <a:endParaRPr lang="de-CH" dirty="0"/>
+          </a:p>
+        </p:txBody>
+      </p:sp>
+      <p:pic>
+        <p:nvPicPr>
+          <p:cNvPr id="1027" name="Picture 3"/>
+          <p:cNvPicPr>
+            <a:picLocks noChangeAspect="1" noChangeArrowheads="1"/>
+          </p:cNvPicPr>
+          <p:nvPr/>
+        </p:nvPicPr>
+        <p:blipFill>
+          <a:blip r:embed="rId2">
+            <a:extLst>
+              <a:ext uri="{28A0092B-C50C-407E-A947-70E740481C1C}">
+                <a14:useLocalDpi xmlns:a14="http://schemas.microsoft.com/office/drawing/2010/main" val="0"/>
+              </a:ext>
+            </a:extLst>
+          </a:blip>
+          <a:srcRect/>
+          <a:stretch>
+            <a:fillRect/>
+          </a:stretch>
+        </p:blipFill>
+        <p:spPr bwMode="auto">
+          <a:xfrm>
+            <a:off x="2266181" y="2681074"/>
+            <a:ext cx="4611638" cy="2548126"/>
           </a:xfrm>
           <a:prstGeom prst="rect">
             <a:avLst/>
@@ -5970,375 +6664,32 @@
     </p:spTree>
     <p:extLst>
       <p:ext uri="{BB962C8B-B14F-4D97-AF65-F5344CB8AC3E}">
-        <p14:creationId xmlns:p14="http://schemas.microsoft.com/office/powerpoint/2010/main" val="2876740877"/>
+        <p14:creationId xmlns:p14="http://schemas.microsoft.com/office/powerpoint/2010/main" val="3324484687"/>
       </p:ext>
     </p:extLst>
   </p:cSld>
   <p:clrMapOvr>
     <a:masterClrMapping/>
   </p:clrMapOvr>
-</p:sld>
-</file>
-
-<file path=ppt/slides/slide6.xml><?xml version="1.0" encoding="utf-8"?>
-<p:sld xmlns:a="http://schemas.openxmlformats.org/drawingml/2006/main" xmlns:r="http://schemas.openxmlformats.org/officeDocument/2006/relationships" xmlns:p="http://schemas.openxmlformats.org/presentationml/2006/main">
-  <p:cSld>
-    <p:spTree>
-      <p:nvGrpSpPr>
-        <p:cNvPr id="1" name=""/>
-        <p:cNvGrpSpPr/>
-        <p:nvPr/>
-      </p:nvGrpSpPr>
-      <p:grpSpPr>
-        <a:xfrm>
-          <a:off x="0" y="0"/>
-          <a:ext cx="0" cy="0"/>
-          <a:chOff x="0" y="0"/>
-          <a:chExt cx="0" cy="0"/>
-        </a:xfrm>
-      </p:grpSpPr>
-      <p:sp>
-        <p:nvSpPr>
-          <p:cNvPr id="2" name="Titel 1"/>
-          <p:cNvSpPr>
-            <a:spLocks noGrp="1"/>
-          </p:cNvSpPr>
-          <p:nvPr>
-            <p:ph type="title"/>
-          </p:nvPr>
-        </p:nvSpPr>
-        <p:spPr/>
-        <p:txBody>
-          <a:bodyPr/>
-          <a:lstStyle/>
-          <a:p>
-            <a:r>
-              <a:rPr lang="de-CH" dirty="0" smtClean="0"/>
-              <a:t>Konkretere / Neue Ideen</a:t>
-            </a:r>
-            <a:endParaRPr lang="de-CH" dirty="0"/>
-          </a:p>
-        </p:txBody>
-      </p:sp>
-      <p:sp>
-        <p:nvSpPr>
-          <p:cNvPr id="3" name="Inhaltsplatzhalter 2"/>
-          <p:cNvSpPr>
-            <a:spLocks noGrp="1"/>
-          </p:cNvSpPr>
-          <p:nvPr>
-            <p:ph sz="quarter" idx="1"/>
-          </p:nvPr>
-        </p:nvSpPr>
-        <p:spPr/>
-        <p:txBody>
-          <a:bodyPr/>
-          <a:lstStyle/>
-          <a:p>
-            <a:r>
-              <a:rPr lang="de-CH" sz="2300" dirty="0" smtClean="0"/>
-              <a:t>Detailliertere </a:t>
-            </a:r>
-            <a:r>
-              <a:rPr lang="de-CH" sz="2300" dirty="0" err="1" smtClean="0"/>
-              <a:t>Highscore</a:t>
-            </a:r>
-            <a:endParaRPr lang="de-CH" sz="3100" dirty="0"/>
-          </a:p>
-          <a:p>
-            <a:r>
-              <a:rPr lang="de-CH" sz="2300" dirty="0" smtClean="0"/>
-              <a:t>Gegnerbewegungsmuster</a:t>
-            </a:r>
-            <a:endParaRPr lang="de-CH" sz="3100" dirty="0"/>
-          </a:p>
-          <a:p>
-            <a:r>
-              <a:rPr lang="de-CH" sz="2300" dirty="0" smtClean="0"/>
-              <a:t>Gamefluss</a:t>
-            </a:r>
-            <a:endParaRPr lang="de-CH" sz="3100" dirty="0"/>
-          </a:p>
-        </p:txBody>
-      </p:sp>
-    </p:spTree>
-    <p:extLst>
-      <p:ext uri="{BB962C8B-B14F-4D97-AF65-F5344CB8AC3E}">
-        <p14:creationId xmlns:p14="http://schemas.microsoft.com/office/powerpoint/2010/main" val="1253552773"/>
-      </p:ext>
-    </p:extLst>
-  </p:cSld>
-  <p:clrMapOvr>
-    <a:masterClrMapping/>
-  </p:clrMapOvr>
-</p:sld>
-</file>
-
-<file path=ppt/slides/slide7.xml><?xml version="1.0" encoding="utf-8"?>
-<p:sld xmlns:a="http://schemas.openxmlformats.org/drawingml/2006/main" xmlns:r="http://schemas.openxmlformats.org/officeDocument/2006/relationships" xmlns:p="http://schemas.openxmlformats.org/presentationml/2006/main">
-  <p:cSld>
-    <p:spTree>
-      <p:nvGrpSpPr>
-        <p:cNvPr id="1" name=""/>
-        <p:cNvGrpSpPr/>
-        <p:nvPr/>
-      </p:nvGrpSpPr>
-      <p:grpSpPr>
-        <a:xfrm>
-          <a:off x="0" y="0"/>
-          <a:ext cx="0" cy="0"/>
-          <a:chOff x="0" y="0"/>
-          <a:chExt cx="0" cy="0"/>
-        </a:xfrm>
-      </p:grpSpPr>
-      <p:sp>
-        <p:nvSpPr>
-          <p:cNvPr id="2" name="Titel 1"/>
-          <p:cNvSpPr>
-            <a:spLocks noGrp="1"/>
-          </p:cNvSpPr>
-          <p:nvPr>
-            <p:ph type="title"/>
-          </p:nvPr>
-        </p:nvSpPr>
-        <p:spPr/>
-        <p:txBody>
-          <a:bodyPr/>
-          <a:lstStyle/>
-          <a:p>
-            <a:r>
-              <a:rPr lang="de-CH" dirty="0" smtClean="0"/>
-              <a:t>Spezielle </a:t>
-            </a:r>
-            <a:r>
-              <a:rPr lang="de-CH" dirty="0" err="1" smtClean="0"/>
-              <a:t>Use</a:t>
-            </a:r>
-            <a:r>
-              <a:rPr lang="de-CH" dirty="0" smtClean="0"/>
-              <a:t> Cases</a:t>
-            </a:r>
-            <a:endParaRPr lang="de-CH" dirty="0"/>
-          </a:p>
-        </p:txBody>
-      </p:sp>
-      <p:sp>
-        <p:nvSpPr>
-          <p:cNvPr id="3" name="Inhaltsplatzhalter 2"/>
-          <p:cNvSpPr>
-            <a:spLocks noGrp="1"/>
-          </p:cNvSpPr>
-          <p:nvPr>
-            <p:ph sz="quarter" idx="1"/>
-          </p:nvPr>
-        </p:nvSpPr>
-        <p:spPr/>
-        <p:txBody>
-          <a:bodyPr/>
-          <a:lstStyle/>
-          <a:p>
-            <a:r>
-              <a:rPr lang="de-CH" dirty="0" err="1" smtClean="0"/>
-              <a:t>Todo</a:t>
-            </a:r>
-            <a:endParaRPr lang="de-CH" dirty="0"/>
-          </a:p>
-        </p:txBody>
-      </p:sp>
-    </p:spTree>
-    <p:extLst>
-      <p:ext uri="{BB962C8B-B14F-4D97-AF65-F5344CB8AC3E}">
-        <p14:creationId xmlns:p14="http://schemas.microsoft.com/office/powerpoint/2010/main" val="3664799231"/>
-      </p:ext>
-    </p:extLst>
-  </p:cSld>
-  <p:clrMapOvr>
-    <a:masterClrMapping/>
-  </p:clrMapOvr>
-</p:sld>
-</file>
-
-<file path=ppt/slides/slide8.xml><?xml version="1.0" encoding="utf-8"?>
-<p:sld xmlns:a="http://schemas.openxmlformats.org/drawingml/2006/main" xmlns:r="http://schemas.openxmlformats.org/officeDocument/2006/relationships" xmlns:p="http://schemas.openxmlformats.org/presentationml/2006/main">
-  <p:cSld>
-    <p:spTree>
-      <p:nvGrpSpPr>
-        <p:cNvPr id="1" name=""/>
-        <p:cNvGrpSpPr/>
-        <p:nvPr/>
-      </p:nvGrpSpPr>
-      <p:grpSpPr>
-        <a:xfrm>
-          <a:off x="0" y="0"/>
-          <a:ext cx="0" cy="0"/>
-          <a:chOff x="0" y="0"/>
-          <a:chExt cx="0" cy="0"/>
-        </a:xfrm>
-      </p:grpSpPr>
-      <p:sp>
-        <p:nvSpPr>
-          <p:cNvPr id="2" name="Titel 1"/>
-          <p:cNvSpPr>
-            <a:spLocks noGrp="1"/>
-          </p:cNvSpPr>
-          <p:nvPr>
-            <p:ph type="title"/>
-          </p:nvPr>
-        </p:nvSpPr>
-        <p:spPr/>
-        <p:txBody>
-          <a:bodyPr/>
-          <a:lstStyle/>
-          <a:p>
-            <a:r>
-              <a:rPr lang="de-CH" dirty="0" smtClean="0"/>
-              <a:t>Technisches</a:t>
-            </a:r>
-            <a:endParaRPr lang="de-CH" dirty="0"/>
-          </a:p>
-        </p:txBody>
-      </p:sp>
-      <p:sp>
-        <p:nvSpPr>
-          <p:cNvPr id="3" name="Inhaltsplatzhalter 2"/>
-          <p:cNvSpPr>
-            <a:spLocks noGrp="1"/>
-          </p:cNvSpPr>
-          <p:nvPr>
-            <p:ph sz="quarter" idx="1"/>
-          </p:nvPr>
-        </p:nvSpPr>
-        <p:spPr/>
-        <p:txBody>
-          <a:bodyPr/>
-          <a:lstStyle/>
-          <a:p>
-            <a:r>
-              <a:rPr lang="de-CH" sz="2300" dirty="0" err="1"/>
-              <a:t>LibGdx</a:t>
-            </a:r>
-            <a:endParaRPr lang="de-CH" sz="3100" dirty="0"/>
-          </a:p>
-          <a:p>
-            <a:pPr lvl="1"/>
-            <a:r>
-              <a:rPr lang="de-CH" sz="2000" dirty="0" err="1"/>
-              <a:t>Textures</a:t>
-            </a:r>
-            <a:r>
-              <a:rPr lang="de-CH" sz="2000" dirty="0"/>
-              <a:t> und </a:t>
-            </a:r>
-            <a:r>
-              <a:rPr lang="de-CH" sz="2000" dirty="0" err="1"/>
-              <a:t>Vectoren</a:t>
-            </a:r>
-            <a:endParaRPr lang="de-CH" dirty="0"/>
-          </a:p>
-          <a:p>
-            <a:pPr lvl="1"/>
-            <a:r>
-              <a:rPr lang="de-CH" sz="2000" dirty="0"/>
-              <a:t>Sound Manager</a:t>
-            </a:r>
-            <a:endParaRPr lang="de-CH" dirty="0"/>
-          </a:p>
-          <a:p>
-            <a:r>
-              <a:rPr lang="de-CH" sz="2300" dirty="0"/>
-              <a:t>Architektur</a:t>
-            </a:r>
-            <a:endParaRPr lang="de-CH" sz="3100" dirty="0"/>
-          </a:p>
-          <a:p>
-            <a:pPr lvl="1"/>
-            <a:r>
-              <a:rPr lang="de-CH" sz="2000" dirty="0"/>
-              <a:t>MVC</a:t>
-            </a:r>
-            <a:endParaRPr lang="de-CH" dirty="0"/>
-          </a:p>
-          <a:p>
-            <a:pPr lvl="1"/>
-            <a:r>
-              <a:rPr lang="de-CH" sz="2000" dirty="0"/>
-              <a:t>Screen</a:t>
-            </a:r>
-            <a:endParaRPr lang="de-CH" dirty="0"/>
-          </a:p>
-          <a:p>
-            <a:pPr lvl="1"/>
-            <a:r>
-              <a:rPr lang="de-CH" sz="2000" dirty="0" err="1"/>
-              <a:t>Renderer</a:t>
-            </a:r>
-            <a:endParaRPr lang="de-CH" dirty="0"/>
-          </a:p>
-        </p:txBody>
-      </p:sp>
-    </p:spTree>
-    <p:extLst>
-      <p:ext uri="{BB962C8B-B14F-4D97-AF65-F5344CB8AC3E}">
-        <p14:creationId xmlns:p14="http://schemas.microsoft.com/office/powerpoint/2010/main" val="3480487774"/>
-      </p:ext>
-    </p:extLst>
-  </p:cSld>
-  <p:clrMapOvr>
-    <a:masterClrMapping/>
-  </p:clrMapOvr>
-</p:sld>
-</file>
-
-<file path=ppt/slides/slide9.xml><?xml version="1.0" encoding="utf-8"?>
-<p:sld xmlns:a="http://schemas.openxmlformats.org/drawingml/2006/main" xmlns:r="http://schemas.openxmlformats.org/officeDocument/2006/relationships" xmlns:p="http://schemas.openxmlformats.org/presentationml/2006/main">
-  <p:cSld>
-    <p:spTree>
-      <p:nvGrpSpPr>
-        <p:cNvPr id="1" name=""/>
-        <p:cNvGrpSpPr/>
-        <p:nvPr/>
-      </p:nvGrpSpPr>
-      <p:grpSpPr>
-        <a:xfrm>
-          <a:off x="0" y="0"/>
-          <a:ext cx="0" cy="0"/>
-          <a:chOff x="0" y="0"/>
-          <a:chExt cx="0" cy="0"/>
-        </a:xfrm>
-      </p:grpSpPr>
-      <p:sp>
-        <p:nvSpPr>
-          <p:cNvPr id="4" name="Titel 3"/>
-          <p:cNvSpPr>
-            <a:spLocks noGrp="1"/>
-          </p:cNvSpPr>
-          <p:nvPr>
-            <p:ph type="title"/>
-          </p:nvPr>
-        </p:nvSpPr>
-        <p:spPr/>
-        <p:txBody>
-          <a:bodyPr/>
-          <a:lstStyle/>
-          <a:p>
-            <a:r>
-              <a:rPr lang="de-CH" dirty="0" smtClean="0"/>
-              <a:t>Demo Prototyp</a:t>
-            </a:r>
-            <a:endParaRPr lang="de-CH" dirty="0"/>
-          </a:p>
-        </p:txBody>
-      </p:sp>
-    </p:spTree>
-    <p:extLst>
-      <p:ext uri="{BB962C8B-B14F-4D97-AF65-F5344CB8AC3E}">
-        <p14:creationId xmlns:p14="http://schemas.microsoft.com/office/powerpoint/2010/main" val="3567899889"/>
-      </p:ext>
-    </p:extLst>
-  </p:cSld>
-  <p:clrMapOvr>
-    <a:masterClrMapping/>
-  </p:clrMapOvr>
+  <mc:AlternateContent xmlns:mc="http://schemas.openxmlformats.org/markup-compatibility/2006">
+    <mc:Choice xmlns:p14="http://schemas.microsoft.com/office/powerpoint/2010/main" Requires="p14">
+      <p:transition spd="slow">
+        <p14:reveal/>
+      </p:transition>
+    </mc:Choice>
+    <mc:Fallback>
+      <p:transition spd="slow">
+        <p:fade/>
+      </p:transition>
+    </mc:Fallback>
+  </mc:AlternateContent>
+  <p:timing>
+    <p:tnLst>
+      <p:par>
+        <p:cTn id="1" dur="indefinite" restart="never" nodeType="tmRoot"/>
+      </p:par>
+    </p:tnLst>
+  </p:timing>
 </p:sld>
 </file>
 

--- a/documentation/presentation/Analyse/Analyse.pptx
+++ b/documentation/presentation/Analyse/Analyse.pptx
@@ -1014,13 +1014,13 @@
   <p:clrMapOvr>
     <a:overrideClrMapping bg1="lt1" tx1="dk1" bg2="lt2" tx2="dk2" accent1="accent1" accent2="accent2" accent3="accent3" accent4="accent4" accent5="accent5" accent6="accent6" hlink="hlink" folHlink="folHlink"/>
   </p:clrMapOvr>
-  <mc:AlternateContent xmlns:mc="http://schemas.openxmlformats.org/markup-compatibility/2006">
-    <mc:Choice xmlns:p14="http://schemas.microsoft.com/office/powerpoint/2010/main" Requires="p14">
+  <mc:AlternateContent xmlns:mc="http://schemas.openxmlformats.org/markup-compatibility/2006" xmlns:p14="http://schemas.microsoft.com/office/powerpoint/2010/main">
+    <mc:Choice Requires="p14">
       <p:transition spd="slow">
         <p14:reveal/>
       </p:transition>
     </mc:Choice>
-    <mc:Fallback>
+    <mc:Fallback xmlns="">
       <p:transition spd="slow">
         <p:fade/>
       </p:transition>
@@ -1222,13 +1222,13 @@
   <p:clrMapOvr>
     <a:masterClrMapping/>
   </p:clrMapOvr>
-  <mc:AlternateContent xmlns:mc="http://schemas.openxmlformats.org/markup-compatibility/2006">
-    <mc:Choice xmlns:p14="http://schemas.microsoft.com/office/powerpoint/2010/main" Requires="p14">
+  <mc:AlternateContent xmlns:mc="http://schemas.openxmlformats.org/markup-compatibility/2006" xmlns:p14="http://schemas.microsoft.com/office/powerpoint/2010/main">
+    <mc:Choice Requires="p14">
       <p:transition spd="slow">
         <p14:reveal/>
       </p:transition>
     </mc:Choice>
-    <mc:Fallback>
+    <mc:Fallback xmlns="">
       <p:transition spd="slow">
         <p:fade/>
       </p:transition>
@@ -1440,13 +1440,13 @@
   <p:clrMapOvr>
     <a:masterClrMapping/>
   </p:clrMapOvr>
-  <mc:AlternateContent xmlns:mc="http://schemas.openxmlformats.org/markup-compatibility/2006">
-    <mc:Choice xmlns:p14="http://schemas.microsoft.com/office/powerpoint/2010/main" Requires="p14">
+  <mc:AlternateContent xmlns:mc="http://schemas.openxmlformats.org/markup-compatibility/2006" xmlns:p14="http://schemas.microsoft.com/office/powerpoint/2010/main">
+    <mc:Choice Requires="p14">
       <p:transition spd="slow">
         <p14:reveal/>
       </p:transition>
     </mc:Choice>
-    <mc:Fallback>
+    <mc:Fallback xmlns="">
       <p:transition spd="slow">
         <p:fade/>
       </p:transition>
@@ -1653,13 +1653,13 @@
   <p:clrMapOvr>
     <a:masterClrMapping/>
   </p:clrMapOvr>
-  <mc:AlternateContent xmlns:mc="http://schemas.openxmlformats.org/markup-compatibility/2006">
-    <mc:Choice xmlns:p14="http://schemas.microsoft.com/office/powerpoint/2010/main" Requires="p14">
+  <mc:AlternateContent xmlns:mc="http://schemas.openxmlformats.org/markup-compatibility/2006" xmlns:p14="http://schemas.microsoft.com/office/powerpoint/2010/main">
+    <mc:Choice Requires="p14">
       <p:transition spd="slow">
         <p14:reveal/>
       </p:transition>
     </mc:Choice>
-    <mc:Fallback>
+    <mc:Fallback xmlns="">
       <p:transition spd="slow">
         <p:fade/>
       </p:transition>
@@ -2580,13 +2580,13 @@
   <p:clrMapOvr>
     <a:overrideClrMapping bg1="dk1" tx1="lt1" bg2="dk2" tx2="lt2" accent1="accent1" accent2="accent2" accent3="accent3" accent4="accent4" accent5="accent5" accent6="accent6" hlink="hlink" folHlink="folHlink"/>
   </p:clrMapOvr>
-  <mc:AlternateContent xmlns:mc="http://schemas.openxmlformats.org/markup-compatibility/2006">
-    <mc:Choice xmlns:p14="http://schemas.microsoft.com/office/powerpoint/2010/main" Requires="p14">
+  <mc:AlternateContent xmlns:mc="http://schemas.openxmlformats.org/markup-compatibility/2006" xmlns:p14="http://schemas.microsoft.com/office/powerpoint/2010/main">
+    <mc:Choice Requires="p14">
       <p:transition spd="slow">
         <p14:reveal/>
       </p:transition>
     </mc:Choice>
-    <mc:Fallback>
+    <mc:Fallback xmlns="">
       <p:transition spd="slow">
         <p:fade/>
       </p:transition>
@@ -2885,13 +2885,13 @@
   <p:clrMapOvr>
     <a:masterClrMapping/>
   </p:clrMapOvr>
-  <mc:AlternateContent xmlns:mc="http://schemas.openxmlformats.org/markup-compatibility/2006">
-    <mc:Choice xmlns:p14="http://schemas.microsoft.com/office/powerpoint/2010/main" Requires="p14">
+  <mc:AlternateContent xmlns:mc="http://schemas.openxmlformats.org/markup-compatibility/2006" xmlns:p14="http://schemas.microsoft.com/office/powerpoint/2010/main">
+    <mc:Choice Requires="p14">
       <p:transition spd="slow">
         <p14:reveal/>
       </p:transition>
     </mc:Choice>
-    <mc:Fallback>
+    <mc:Fallback xmlns="">
       <p:transition spd="slow">
         <p:fade/>
       </p:transition>
@@ -3281,13 +3281,13 @@
   <p:clrMapOvr>
     <a:masterClrMapping/>
   </p:clrMapOvr>
-  <mc:AlternateContent xmlns:mc="http://schemas.openxmlformats.org/markup-compatibility/2006">
-    <mc:Choice xmlns:p14="http://schemas.microsoft.com/office/powerpoint/2010/main" Requires="p14">
+  <mc:AlternateContent xmlns:mc="http://schemas.openxmlformats.org/markup-compatibility/2006" xmlns:p14="http://schemas.microsoft.com/office/powerpoint/2010/main">
+    <mc:Choice Requires="p14">
       <p:transition spd="slow">
         <p14:reveal/>
       </p:transition>
     </mc:Choice>
-    <mc:Fallback>
+    <mc:Fallback xmlns="">
       <p:transition spd="slow">
         <p:fade/>
       </p:transition>
@@ -3406,13 +3406,13 @@
   <p:clrMapOvr>
     <a:masterClrMapping/>
   </p:clrMapOvr>
-  <mc:AlternateContent xmlns:mc="http://schemas.openxmlformats.org/markup-compatibility/2006">
-    <mc:Choice xmlns:p14="http://schemas.microsoft.com/office/powerpoint/2010/main" Requires="p14">
+  <mc:AlternateContent xmlns:mc="http://schemas.openxmlformats.org/markup-compatibility/2006" xmlns:p14="http://schemas.microsoft.com/office/powerpoint/2010/main">
+    <mc:Choice Requires="p14">
       <p:transition spd="slow">
         <p14:reveal/>
       </p:transition>
     </mc:Choice>
-    <mc:Fallback>
+    <mc:Fallback xmlns="">
       <p:transition spd="slow">
         <p:fade/>
       </p:transition>
@@ -3508,13 +3508,13 @@
   <p:clrMapOvr>
     <a:masterClrMapping/>
   </p:clrMapOvr>
-  <mc:AlternateContent xmlns:mc="http://schemas.openxmlformats.org/markup-compatibility/2006">
-    <mc:Choice xmlns:p14="http://schemas.microsoft.com/office/powerpoint/2010/main" Requires="p14">
+  <mc:AlternateContent xmlns:mc="http://schemas.openxmlformats.org/markup-compatibility/2006" xmlns:p14="http://schemas.microsoft.com/office/powerpoint/2010/main">
+    <mc:Choice Requires="p14">
       <p:transition spd="slow">
         <p14:reveal/>
       </p:transition>
     </mc:Choice>
-    <mc:Fallback>
+    <mc:Fallback xmlns="">
       <p:transition spd="slow">
         <p:fade/>
       </p:transition>
@@ -4068,13 +4068,13 @@
   <p:clrMapOvr>
     <a:overrideClrMapping bg1="lt1" tx1="dk1" bg2="lt2" tx2="dk2" accent1="accent1" accent2="accent2" accent3="accent3" accent4="accent4" accent5="accent5" accent6="accent6" hlink="hlink" folHlink="folHlink"/>
   </p:clrMapOvr>
-  <mc:AlternateContent xmlns:mc="http://schemas.openxmlformats.org/markup-compatibility/2006">
-    <mc:Choice xmlns:p14="http://schemas.microsoft.com/office/powerpoint/2010/main" Requires="p14">
+  <mc:AlternateContent xmlns:mc="http://schemas.openxmlformats.org/markup-compatibility/2006" xmlns:p14="http://schemas.microsoft.com/office/powerpoint/2010/main">
+    <mc:Choice Requires="p14">
       <p:transition spd="slow">
         <p14:reveal/>
       </p:transition>
     </mc:Choice>
-    <mc:Fallback>
+    <mc:Fallback xmlns="">
       <p:transition spd="slow">
         <p:fade/>
       </p:transition>
@@ -4594,13 +4594,13 @@
   <p:clrMapOvr>
     <a:masterClrMapping/>
   </p:clrMapOvr>
-  <mc:AlternateContent xmlns:mc="http://schemas.openxmlformats.org/markup-compatibility/2006">
-    <mc:Choice xmlns:p14="http://schemas.microsoft.com/office/powerpoint/2010/main" Requires="p14">
+  <mc:AlternateContent xmlns:mc="http://schemas.openxmlformats.org/markup-compatibility/2006" xmlns:p14="http://schemas.microsoft.com/office/powerpoint/2010/main">
+    <mc:Choice Requires="p14">
       <p:transition spd="slow">
         <p14:reveal/>
       </p:transition>
     </mc:Choice>
-    <mc:Fallback>
+    <mc:Fallback xmlns="">
       <p:transition spd="slow">
         <p:fade/>
       </p:transition>
@@ -5096,13 +5096,13 @@
     <p:sldLayoutId id="2147483778" r:id="rId10"/>
     <p:sldLayoutId id="2147483779" r:id="rId11"/>
   </p:sldLayoutIdLst>
-  <mc:AlternateContent xmlns:mc="http://schemas.openxmlformats.org/markup-compatibility/2006">
-    <mc:Choice xmlns:p14="http://schemas.microsoft.com/office/powerpoint/2010/main" Requires="p14">
+  <mc:AlternateContent xmlns:mc="http://schemas.openxmlformats.org/markup-compatibility/2006" xmlns:p14="http://schemas.microsoft.com/office/powerpoint/2010/main">
+    <mc:Choice Requires="p14">
       <p:transition spd="slow">
         <p14:reveal/>
       </p:transition>
     </mc:Choice>
-    <mc:Fallback>
+    <mc:Fallback xmlns="">
       <p:transition spd="slow">
         <p:fade/>
       </p:transition>
@@ -5470,13 +5470,13 @@
   <p:clrMapOvr>
     <a:masterClrMapping/>
   </p:clrMapOvr>
-  <mc:AlternateContent xmlns:mc="http://schemas.openxmlformats.org/markup-compatibility/2006">
-    <mc:Choice xmlns:p14="http://schemas.microsoft.com/office/powerpoint/2010/main" Requires="p14">
+  <mc:AlternateContent xmlns:mc="http://schemas.openxmlformats.org/markup-compatibility/2006" xmlns:p14="http://schemas.microsoft.com/office/powerpoint/2010/main">
+    <mc:Choice Requires="p14">
       <p:transition spd="slow">
         <p14:reveal/>
       </p:transition>
     </mc:Choice>
-    <mc:Fallback>
+    <mc:Fallback xmlns="">
       <p:transition spd="slow">
         <p:fade/>
       </p:transition>
@@ -5565,13 +5565,13 @@
   <p:clrMapOvr>
     <a:masterClrMapping/>
   </p:clrMapOvr>
-  <mc:AlternateContent xmlns:mc="http://schemas.openxmlformats.org/markup-compatibility/2006">
-    <mc:Choice xmlns:p14="http://schemas.microsoft.com/office/powerpoint/2010/main" Requires="p14">
+  <mc:AlternateContent xmlns:mc="http://schemas.openxmlformats.org/markup-compatibility/2006" xmlns:p14="http://schemas.microsoft.com/office/powerpoint/2010/main">
+    <mc:Choice Requires="p14">
       <p:transition spd="slow">
         <p14:reveal/>
       </p:transition>
     </mc:Choice>
-    <mc:Fallback>
+    <mc:Fallback xmlns="">
       <p:transition spd="slow">
         <p:fade/>
       </p:transition>
@@ -5652,14 +5652,12 @@
               <a:rPr lang="de-CH" dirty="0" smtClean="0"/>
               <a:t>Projekt</a:t>
             </a:r>
-            <a:endParaRPr lang="de-CH" dirty="0" smtClean="0"/>
           </a:p>
           <a:p>
             <a:r>
               <a:rPr lang="de-CH" dirty="0" smtClean="0"/>
               <a:t>Konkretere Ideen</a:t>
             </a:r>
-            <a:endParaRPr lang="de-CH" dirty="0" smtClean="0"/>
           </a:p>
           <a:p>
             <a:r>
@@ -5717,13 +5715,13 @@
   <p:clrMapOvr>
     <a:masterClrMapping/>
   </p:clrMapOvr>
-  <mc:AlternateContent xmlns:mc="http://schemas.openxmlformats.org/markup-compatibility/2006">
-    <mc:Choice xmlns:p14="http://schemas.microsoft.com/office/powerpoint/2010/main" Requires="p14">
+  <mc:AlternateContent xmlns:mc="http://schemas.openxmlformats.org/markup-compatibility/2006" xmlns:p14="http://schemas.microsoft.com/office/powerpoint/2010/main">
+    <mc:Choice Requires="p14">
       <p:transition spd="slow">
         <p14:reveal/>
       </p:transition>
     </mc:Choice>
-    <mc:Fallback>
+    <mc:Fallback xmlns="">
       <p:transition spd="slow">
         <p:fade/>
       </p:transition>
@@ -5773,11 +5771,7 @@
           <a:p>
             <a:r>
               <a:rPr lang="de-CH" dirty="0" smtClean="0"/>
-              <a:t>Stand </a:t>
-            </a:r>
-            <a:r>
-              <a:rPr lang="de-CH" dirty="0" smtClean="0"/>
-              <a:t>Projekt</a:t>
+              <a:t>Stand Projekt</a:t>
             </a:r>
             <a:endParaRPr lang="de-CH" dirty="0"/>
           </a:p>
@@ -5871,7 +5865,6 @@
               <a:rPr lang="de-CH" sz="2000" dirty="0" smtClean="0"/>
               <a:t>Basis User Interface</a:t>
             </a:r>
-            <a:endParaRPr lang="de-CH" sz="2000" dirty="0" smtClean="0"/>
           </a:p>
           <a:p>
             <a:pPr lvl="1"/>
@@ -5908,13 +5901,13 @@
   <p:clrMapOvr>
     <a:masterClrMapping/>
   </p:clrMapOvr>
-  <mc:AlternateContent xmlns:mc="http://schemas.openxmlformats.org/markup-compatibility/2006">
-    <mc:Choice xmlns:p14="http://schemas.microsoft.com/office/powerpoint/2010/main" Requires="p14">
+  <mc:AlternateContent xmlns:mc="http://schemas.openxmlformats.org/markup-compatibility/2006" xmlns:p14="http://schemas.microsoft.com/office/powerpoint/2010/main">
+    <mc:Choice Requires="p14">
       <p:transition spd="slow">
         <p14:reveal/>
       </p:transition>
     </mc:Choice>
-    <mc:Fallback>
+    <mc:Fallback xmlns="">
       <p:transition spd="slow">
         <p:fade/>
       </p:transition>
@@ -5964,11 +5957,7 @@
           <a:p>
             <a:r>
               <a:rPr lang="de-CH" dirty="0" smtClean="0"/>
-              <a:t>Konkretere </a:t>
-            </a:r>
-            <a:r>
-              <a:rPr lang="de-CH" dirty="0" smtClean="0"/>
-              <a:t>Ideen</a:t>
+              <a:t>Konkretere Ideen</a:t>
             </a:r>
             <a:endParaRPr lang="de-CH" dirty="0"/>
           </a:p>
@@ -6009,11 +5998,7 @@
           <a:p>
             <a:r>
               <a:rPr lang="de-CH" sz="2300" dirty="0" smtClean="0"/>
-              <a:t>Gam</a:t>
-            </a:r>
-            <a:r>
-              <a:rPr lang="de-CH" sz="2300" dirty="0" smtClean="0"/>
-              <a:t>efluss</a:t>
+              <a:t>Gamefluss</a:t>
             </a:r>
             <a:endParaRPr lang="de-CH" sz="3100" dirty="0"/>
           </a:p>
@@ -6029,13 +6014,13 @@
   <p:clrMapOvr>
     <a:masterClrMapping/>
   </p:clrMapOvr>
-  <mc:AlternateContent xmlns:mc="http://schemas.openxmlformats.org/markup-compatibility/2006">
-    <mc:Choice xmlns:p14="http://schemas.microsoft.com/office/powerpoint/2010/main" Requires="p14">
+  <mc:AlternateContent xmlns:mc="http://schemas.openxmlformats.org/markup-compatibility/2006" xmlns:p14="http://schemas.microsoft.com/office/powerpoint/2010/main">
+    <mc:Choice Requires="p14">
       <p:transition spd="slow">
         <p14:reveal/>
       </p:transition>
     </mc:Choice>
-    <mc:Fallback>
+    <mc:Fallback xmlns="">
       <p:transition spd="slow">
         <p:fade/>
       </p:transition>
@@ -6165,13 +6150,13 @@
   <p:clrMapOvr>
     <a:masterClrMapping/>
   </p:clrMapOvr>
-  <mc:AlternateContent xmlns:mc="http://schemas.openxmlformats.org/markup-compatibility/2006">
-    <mc:Choice xmlns:p14="http://schemas.microsoft.com/office/powerpoint/2010/main" Requires="p14">
+  <mc:AlternateContent xmlns:mc="http://schemas.openxmlformats.org/markup-compatibility/2006" xmlns:p14="http://schemas.microsoft.com/office/powerpoint/2010/main">
+    <mc:Choice Requires="p14">
       <p:transition spd="slow">
         <p14:reveal/>
       </p:transition>
     </mc:Choice>
-    <mc:Fallback>
+    <mc:Fallback xmlns="">
       <p:transition spd="slow">
         <p:fade/>
       </p:transition>
@@ -6229,39 +6214,41 @@
             </a:r>
             <a:r>
               <a:rPr lang="de-CH" dirty="0" smtClean="0"/>
-              <a:t> </a:t>
-            </a:r>
-            <a:r>
-              <a:rPr lang="de-CH" dirty="0" smtClean="0"/>
-              <a:t>Cases</a:t>
+              <a:t> Cases</a:t>
             </a:r>
             <a:endParaRPr lang="de-CH" dirty="0"/>
           </a:p>
         </p:txBody>
       </p:sp>
-      <p:sp>
-        <p:nvSpPr>
-          <p:cNvPr id="3" name="Inhaltsplatzhalter 2"/>
-          <p:cNvSpPr>
-            <a:spLocks noGrp="1"/>
-          </p:cNvSpPr>
+      <p:pic>
+        <p:nvPicPr>
+          <p:cNvPr id="5" name="Inhaltsplatzhalter 4"/>
+          <p:cNvPicPr>
+            <a:picLocks noGrp="1" noChangeAspect="1"/>
+          </p:cNvPicPr>
           <p:nvPr>
             <p:ph sz="quarter" idx="1"/>
           </p:nvPr>
-        </p:nvSpPr>
-        <p:spPr/>
-        <p:txBody>
-          <a:bodyPr/>
-          <a:lstStyle/>
-          <a:p>
-            <a:r>
-              <a:rPr lang="de-CH" dirty="0" err="1" smtClean="0"/>
-              <a:t>Todo</a:t>
-            </a:r>
-            <a:endParaRPr lang="de-CH" dirty="0"/>
-          </a:p>
-        </p:txBody>
-      </p:sp>
+        </p:nvPicPr>
+        <p:blipFill>
+          <a:blip r:embed="rId2" cstate="print">
+            <a:extLst>
+              <a:ext uri="{28A0092B-C50C-407E-A947-70E740481C1C}">
+                <a14:useLocalDpi xmlns:a14="http://schemas.microsoft.com/office/drawing/2010/main" val="0"/>
+              </a:ext>
+            </a:extLst>
+          </a:blip>
+          <a:stretch>
+            <a:fillRect/>
+          </a:stretch>
+        </p:blipFill>
+        <p:spPr>
+          <a:xfrm>
+            <a:off x="1227694" y="1600200"/>
+            <a:ext cx="5926612" cy="4873625"/>
+          </a:xfrm>
+        </p:spPr>
+      </p:pic>
     </p:spTree>
     <p:extLst>
       <p:ext uri="{BB962C8B-B14F-4D97-AF65-F5344CB8AC3E}">
@@ -6272,13 +6259,13 @@
   <p:clrMapOvr>
     <a:masterClrMapping/>
   </p:clrMapOvr>
-  <mc:AlternateContent xmlns:mc="http://schemas.openxmlformats.org/markup-compatibility/2006">
-    <mc:Choice xmlns:p14="http://schemas.microsoft.com/office/powerpoint/2010/main" Requires="p14">
+  <mc:AlternateContent xmlns:mc="http://schemas.openxmlformats.org/markup-compatibility/2006" xmlns:p14="http://schemas.microsoft.com/office/powerpoint/2010/main">
+    <mc:Choice Requires="p14">
       <p:transition spd="slow">
         <p14:reveal/>
       </p:transition>
     </mc:Choice>
-    <mc:Fallback>
+    <mc:Fallback xmlns="">
       <p:transition spd="slow">
         <p:fade/>
       </p:transition>
@@ -6422,13 +6409,13 @@
   <p:clrMapOvr>
     <a:masterClrMapping/>
   </p:clrMapOvr>
-  <mc:AlternateContent xmlns:mc="http://schemas.openxmlformats.org/markup-compatibility/2006">
-    <mc:Choice xmlns:p14="http://schemas.microsoft.com/office/powerpoint/2010/main" Requires="p14">
+  <mc:AlternateContent xmlns:mc="http://schemas.openxmlformats.org/markup-compatibility/2006" xmlns:p14="http://schemas.microsoft.com/office/powerpoint/2010/main">
+    <mc:Choice Requires="p14">
       <p:transition spd="slow">
         <p14:reveal/>
       </p:transition>
     </mc:Choice>
-    <mc:Fallback>
+    <mc:Fallback xmlns="">
       <p:transition spd="slow">
         <p:fade/>
       </p:transition>
@@ -6535,13 +6522,13 @@
   <p:clrMapOvr>
     <a:masterClrMapping/>
   </p:clrMapOvr>
-  <mc:AlternateContent xmlns:mc="http://schemas.openxmlformats.org/markup-compatibility/2006">
-    <mc:Choice xmlns:p14="http://schemas.microsoft.com/office/powerpoint/2010/main" Requires="p14">
+  <mc:AlternateContent xmlns:mc="http://schemas.openxmlformats.org/markup-compatibility/2006" xmlns:p14="http://schemas.microsoft.com/office/powerpoint/2010/main">
+    <mc:Choice Requires="p14">
       <p:transition spd="slow">
         <p14:reveal/>
       </p:transition>
     </mc:Choice>
-    <mc:Fallback>
+    <mc:Fallback xmlns="">
       <p:transition spd="slow">
         <p:fade/>
       </p:transition>
@@ -6671,13 +6658,13 @@
   <p:clrMapOvr>
     <a:masterClrMapping/>
   </p:clrMapOvr>
-  <mc:AlternateContent xmlns:mc="http://schemas.openxmlformats.org/markup-compatibility/2006">
-    <mc:Choice xmlns:p14="http://schemas.microsoft.com/office/powerpoint/2010/main" Requires="p14">
+  <mc:AlternateContent xmlns:mc="http://schemas.openxmlformats.org/markup-compatibility/2006" xmlns:p14="http://schemas.microsoft.com/office/powerpoint/2010/main">
+    <mc:Choice Requires="p14">
       <p:transition spd="slow">
         <p14:reveal/>
       </p:transition>
     </mc:Choice>
-    <mc:Fallback>
+    <mc:Fallback xmlns="">
       <p:transition spd="slow">
         <p:fade/>
       </p:transition>

--- a/documentation/presentation/Analyse/Analyse.pptx
+++ b/documentation/presentation/Analyse/Analyse.pptx
@@ -6099,8 +6099,8 @@
         </p:blipFill>
         <p:spPr bwMode="auto">
           <a:xfrm>
-            <a:off x="2148682" y="1766664"/>
-            <a:ext cx="4846637" cy="4038600"/>
+            <a:off x="934492" y="1340768"/>
+            <a:ext cx="6336704" cy="5280241"/>
           </a:xfrm>
           <a:prstGeom prst="rect">
             <a:avLst/>
